--- a/JAD Optimization.pptx
+++ b/JAD Optimization.pptx
@@ -11346,15 +11346,19 @@
             </a:r>
             <a:r>
               <a:rPr kumimoji="1" lang="zh-CN" altLang="en-US" dirty="0" smtClean="0"/>
-              <a:t> 涉及 </a:t>
-            </a:r>
-            <a:r>
-              <a:rPr kumimoji="1" lang="en-US" altLang="zh-CN" dirty="0" smtClean="0"/>
-              <a:t>IO</a:t>
-            </a:r>
-            <a:r>
-              <a:rPr kumimoji="1" lang="zh-CN" altLang="en-US" dirty="0" smtClean="0"/>
-              <a:t> 操作，正式环境中需要尽量避免使用</a:t>
+              <a:t> 会降低性能</a:t>
+            </a:r>
+            <a:r>
+              <a:rPr kumimoji="1" lang="en-US" altLang="zh-CN" dirty="0" smtClean="0"/>
+              <a:t>,</a:t>
+            </a:r>
+            <a:r>
+              <a:rPr kumimoji="1" lang="zh-CN" altLang="en-US" dirty="0" smtClean="0"/>
+              <a:t> 正式环境中</a:t>
+            </a:r>
+            <a:r>
+              <a:rPr kumimoji="1" lang="zh-CN" altLang="en-US" smtClean="0"/>
+              <a:t>需要尽量少的使用</a:t>
             </a:r>
             <a:endParaRPr kumimoji="1" lang="en-US" altLang="zh-CN" dirty="0" smtClean="0"/>
           </a:p>

--- a/JAD Optimization.pptx
+++ b/JAD Optimization.pptx
@@ -5,7 +5,7 @@
     <p:sldMasterId id="2147483892" r:id="rId1"/>
   </p:sldMasterIdLst>
   <p:notesMasterIdLst>
-    <p:notesMasterId r:id="rId25"/>
+    <p:notesMasterId r:id="rId26"/>
   </p:notesMasterIdLst>
   <p:sldIdLst>
     <p:sldId id="256" r:id="rId2"/>
@@ -21,16 +21,17 @@
     <p:sldId id="267" r:id="rId12"/>
     <p:sldId id="268" r:id="rId13"/>
     <p:sldId id="269" r:id="rId14"/>
-    <p:sldId id="259" r:id="rId15"/>
-    <p:sldId id="270" r:id="rId16"/>
-    <p:sldId id="271" r:id="rId17"/>
-    <p:sldId id="272" r:id="rId18"/>
-    <p:sldId id="273" r:id="rId19"/>
-    <p:sldId id="274" r:id="rId20"/>
-    <p:sldId id="275" r:id="rId21"/>
-    <p:sldId id="276" r:id="rId22"/>
-    <p:sldId id="277" r:id="rId23"/>
-    <p:sldId id="278" r:id="rId24"/>
+    <p:sldId id="279" r:id="rId15"/>
+    <p:sldId id="259" r:id="rId16"/>
+    <p:sldId id="270" r:id="rId17"/>
+    <p:sldId id="271" r:id="rId18"/>
+    <p:sldId id="272" r:id="rId19"/>
+    <p:sldId id="273" r:id="rId20"/>
+    <p:sldId id="274" r:id="rId21"/>
+    <p:sldId id="275" r:id="rId22"/>
+    <p:sldId id="276" r:id="rId23"/>
+    <p:sldId id="277" r:id="rId24"/>
+    <p:sldId id="278" r:id="rId25"/>
   </p:sldIdLst>
   <p:sldSz cx="12192000" cy="6858000"/>
   <p:notesSz cx="6858000" cy="9144000"/>
@@ -147,6 +148,7 @@
             <p14:sldId id="267"/>
             <p14:sldId id="268"/>
             <p14:sldId id="269"/>
+            <p14:sldId id="279"/>
             <p14:sldId id="259"/>
             <p14:sldId id="270"/>
             <p14:sldId id="271"/>
@@ -253,7 +255,7 @@
           <a:p>
             <a:fld id="{741CE999-E9EF-A041-BC8B-FD732DEFACA8}" type="datetimeFigureOut">
               <a:rPr kumimoji="1" lang="zh-CN" altLang="en-US" smtClean="0"/>
-              <a:t>2017/5/6</a:t>
+              <a:t>2017/5/7</a:t>
             </a:fld>
             <a:endParaRPr kumimoji="1" lang="zh-CN" altLang="en-US"/>
           </a:p>
@@ -670,7 +672,7 @@
           <a:p>
             <a:fld id="{D29B18E4-4868-0D49-9896-116FAA401966}" type="slidenum">
               <a:rPr kumimoji="1" lang="zh-CN" altLang="en-US" smtClean="0"/>
-              <a:t>14</a:t>
+              <a:t>15</a:t>
             </a:fld>
             <a:endParaRPr kumimoji="1" lang="zh-CN" altLang="en-US"/>
           </a:p>
@@ -1411,7 +1413,7 @@
           <a:p>
             <a:fld id="{DC6FB6A5-D57C-DE4E-9FC3-DD51157779B8}" type="datetimeFigureOut">
               <a:rPr kumimoji="1" lang="zh-CN" altLang="en-US" smtClean="0"/>
-              <a:t>2017/5/6</a:t>
+              <a:t>2017/5/7</a:t>
             </a:fld>
             <a:endParaRPr kumimoji="1" lang="zh-CN" altLang="en-US"/>
           </a:p>
@@ -1657,7 +1659,7 @@
           <a:p>
             <a:fld id="{DC6FB6A5-D57C-DE4E-9FC3-DD51157779B8}" type="datetimeFigureOut">
               <a:rPr kumimoji="1" lang="zh-CN" altLang="en-US" smtClean="0"/>
-              <a:t>2017/5/6</a:t>
+              <a:t>2017/5/7</a:t>
             </a:fld>
             <a:endParaRPr kumimoji="1" lang="zh-CN" altLang="en-US"/>
           </a:p>
@@ -1966,7 +1968,7 @@
           <a:p>
             <a:fld id="{DC6FB6A5-D57C-DE4E-9FC3-DD51157779B8}" type="datetimeFigureOut">
               <a:rPr kumimoji="1" lang="zh-CN" altLang="en-US" smtClean="0"/>
-              <a:t>2017/5/6</a:t>
+              <a:t>2017/5/7</a:t>
             </a:fld>
             <a:endParaRPr kumimoji="1" lang="zh-CN" altLang="en-US"/>
           </a:p>
@@ -2302,7 +2304,7 @@
           <a:p>
             <a:fld id="{DC6FB6A5-D57C-DE4E-9FC3-DD51157779B8}" type="datetimeFigureOut">
               <a:rPr kumimoji="1" lang="zh-CN" altLang="en-US" smtClean="0"/>
-              <a:t>2017/5/6</a:t>
+              <a:t>2017/5/7</a:t>
             </a:fld>
             <a:endParaRPr kumimoji="1" lang="zh-CN" altLang="en-US"/>
           </a:p>
@@ -2611,7 +2613,7 @@
           <a:p>
             <a:fld id="{DC6FB6A5-D57C-DE4E-9FC3-DD51157779B8}" type="datetimeFigureOut">
               <a:rPr kumimoji="1" lang="zh-CN" altLang="en-US" smtClean="0"/>
-              <a:t>2017/5/6</a:t>
+              <a:t>2017/5/7</a:t>
             </a:fld>
             <a:endParaRPr kumimoji="1" lang="zh-CN" altLang="en-US"/>
           </a:p>
@@ -2999,7 +3001,7 @@
           <a:p>
             <a:fld id="{DC6FB6A5-D57C-DE4E-9FC3-DD51157779B8}" type="datetimeFigureOut">
               <a:rPr kumimoji="1" lang="zh-CN" altLang="en-US" smtClean="0"/>
-              <a:t>2017/5/6</a:t>
+              <a:t>2017/5/7</a:t>
             </a:fld>
             <a:endParaRPr kumimoji="1" lang="zh-CN" altLang="en-US"/>
           </a:p>
@@ -3164,7 +3166,7 @@
           <a:p>
             <a:fld id="{DC6FB6A5-D57C-DE4E-9FC3-DD51157779B8}" type="datetimeFigureOut">
               <a:rPr kumimoji="1" lang="zh-CN" altLang="en-US" smtClean="0"/>
-              <a:t>2017/5/6</a:t>
+              <a:t>2017/5/7</a:t>
             </a:fld>
             <a:endParaRPr kumimoji="1" lang="zh-CN" altLang="en-US"/>
           </a:p>
@@ -3339,7 +3341,7 @@
           <a:p>
             <a:fld id="{DC6FB6A5-D57C-DE4E-9FC3-DD51157779B8}" type="datetimeFigureOut">
               <a:rPr kumimoji="1" lang="zh-CN" altLang="en-US" smtClean="0"/>
-              <a:t>2017/5/6</a:t>
+              <a:t>2017/5/7</a:t>
             </a:fld>
             <a:endParaRPr kumimoji="1" lang="zh-CN" altLang="en-US"/>
           </a:p>
@@ -3510,7 +3512,7 @@
           <a:p>
             <a:fld id="{DC6FB6A5-D57C-DE4E-9FC3-DD51157779B8}" type="datetimeFigureOut">
               <a:rPr kumimoji="1" lang="zh-CN" altLang="en-US" smtClean="0"/>
-              <a:t>2017/5/6</a:t>
+              <a:t>2017/5/7</a:t>
             </a:fld>
             <a:endParaRPr kumimoji="1" lang="zh-CN" altLang="en-US"/>
           </a:p>
@@ -3752,7 +3754,7 @@
           <a:p>
             <a:fld id="{DC6FB6A5-D57C-DE4E-9FC3-DD51157779B8}" type="datetimeFigureOut">
               <a:rPr kumimoji="1" lang="zh-CN" altLang="en-US" smtClean="0"/>
-              <a:t>2017/5/6</a:t>
+              <a:t>2017/5/7</a:t>
             </a:fld>
             <a:endParaRPr kumimoji="1" lang="zh-CN" altLang="en-US"/>
           </a:p>
@@ -3979,7 +3981,7 @@
           <a:p>
             <a:fld id="{DC6FB6A5-D57C-DE4E-9FC3-DD51157779B8}" type="datetimeFigureOut">
               <a:rPr kumimoji="1" lang="zh-CN" altLang="en-US" smtClean="0"/>
-              <a:t>2017/5/6</a:t>
+              <a:t>2017/5/7</a:t>
             </a:fld>
             <a:endParaRPr kumimoji="1" lang="zh-CN" altLang="en-US"/>
           </a:p>
@@ -4348,7 +4350,7 @@
           <a:p>
             <a:fld id="{DC6FB6A5-D57C-DE4E-9FC3-DD51157779B8}" type="datetimeFigureOut">
               <a:rPr kumimoji="1" lang="zh-CN" altLang="en-US" smtClean="0"/>
-              <a:t>2017/5/6</a:t>
+              <a:t>2017/5/7</a:t>
             </a:fld>
             <a:endParaRPr kumimoji="1" lang="zh-CN" altLang="en-US"/>
           </a:p>
@@ -4466,7 +4468,7 @@
           <a:p>
             <a:fld id="{DC6FB6A5-D57C-DE4E-9FC3-DD51157779B8}" type="datetimeFigureOut">
               <a:rPr kumimoji="1" lang="zh-CN" altLang="en-US" smtClean="0"/>
-              <a:t>2017/5/6</a:t>
+              <a:t>2017/5/7</a:t>
             </a:fld>
             <a:endParaRPr kumimoji="1" lang="zh-CN" altLang="en-US"/>
           </a:p>
@@ -4556,7 +4558,7 @@
           <a:p>
             <a:fld id="{DC6FB6A5-D57C-DE4E-9FC3-DD51157779B8}" type="datetimeFigureOut">
               <a:rPr kumimoji="1" lang="zh-CN" altLang="en-US" smtClean="0"/>
-              <a:t>2017/5/6</a:t>
+              <a:t>2017/5/7</a:t>
             </a:fld>
             <a:endParaRPr kumimoji="1" lang="zh-CN" altLang="en-US"/>
           </a:p>
@@ -4806,7 +4808,7 @@
           <a:p>
             <a:fld id="{DC6FB6A5-D57C-DE4E-9FC3-DD51157779B8}" type="datetimeFigureOut">
               <a:rPr kumimoji="1" lang="zh-CN" altLang="en-US" smtClean="0"/>
-              <a:t>2017/5/6</a:t>
+              <a:t>2017/5/7</a:t>
             </a:fld>
             <a:endParaRPr kumimoji="1" lang="zh-CN" altLang="en-US"/>
           </a:p>
@@ -5064,7 +5066,7 @@
           <a:p>
             <a:fld id="{DC6FB6A5-D57C-DE4E-9FC3-DD51157779B8}" type="datetimeFigureOut">
               <a:rPr kumimoji="1" lang="zh-CN" altLang="en-US" smtClean="0"/>
-              <a:t>2017/5/6</a:t>
+              <a:t>2017/5/7</a:t>
             </a:fld>
             <a:endParaRPr kumimoji="1" lang="zh-CN" altLang="en-US"/>
           </a:p>
@@ -5807,7 +5809,7 @@
           <a:p>
             <a:fld id="{DC6FB6A5-D57C-DE4E-9FC3-DD51157779B8}" type="datetimeFigureOut">
               <a:rPr kumimoji="1" lang="zh-CN" altLang="en-US" smtClean="0"/>
-              <a:t>2017/5/6</a:t>
+              <a:t>2017/5/7</a:t>
             </a:fld>
             <a:endParaRPr kumimoji="1" lang="zh-CN" altLang="en-US"/>
           </a:p>
@@ -8155,7 +8157,9 @@
           </a:xfrm>
         </p:spPr>
         <p:txBody>
-          <a:bodyPr/>
+          <a:bodyPr>
+            <a:normAutofit lnSpcReduction="10000"/>
+          </a:bodyPr>
           <a:lstStyle/>
           <a:p>
             <a:pPr>
@@ -8420,10 +8424,49 @@
             <p:ph type="title"/>
           </p:nvPr>
         </p:nvSpPr>
+        <p:spPr/>
+        <p:txBody>
+          <a:bodyPr/>
+          <a:lstStyle/>
+          <a:p>
+            <a:r>
+              <a:rPr kumimoji="1" lang="zh-CN" altLang="en-US" dirty="0" smtClean="0"/>
+              <a:t>静态资源文件迁移至 </a:t>
+            </a:r>
+            <a:r>
+              <a:rPr kumimoji="1" lang="en-US" altLang="zh-CN" dirty="0" smtClean="0"/>
+              <a:t>Nginx</a:t>
+            </a:r>
+            <a:r>
+              <a:rPr kumimoji="1" lang="zh-CN" altLang="en-US" dirty="0" smtClean="0"/>
+              <a:t> </a:t>
+            </a:r>
+            <a:r>
+              <a:rPr kumimoji="1" lang="zh-CN" altLang="en-US" dirty="0" smtClean="0"/>
+              <a:t>层</a:t>
+            </a:r>
+            <a:r>
+              <a:rPr kumimoji="1" lang="en-US" altLang="zh-CN" dirty="0" smtClean="0"/>
+              <a:t>(Cont.)</a:t>
+            </a:r>
+            <a:endParaRPr kumimoji="1" lang="zh-CN" altLang="en-US" dirty="0"/>
+          </a:p>
+        </p:txBody>
+      </p:sp>
+      <p:sp>
+        <p:nvSpPr>
+          <p:cNvPr id="3" name="内容占位符 2"/>
+          <p:cNvSpPr>
+            <a:spLocks noGrp="1"/>
+          </p:cNvSpPr>
+          <p:nvPr>
+            <p:ph idx="1"/>
+          </p:nvPr>
+        </p:nvSpPr>
         <p:spPr>
           <a:xfrm>
-            <a:off x="838200" y="365125"/>
-            <a:ext cx="10515600" cy="708763"/>
+            <a:off x="677334" y="1449389"/>
+            <a:ext cx="8596668" cy="3880773"/>
           </a:xfrm>
         </p:spPr>
         <p:txBody>
@@ -8432,257 +8475,159 @@
           </a:bodyPr>
           <a:lstStyle/>
           <a:p>
-            <a:r>
-              <a:rPr kumimoji="1" lang="en-US" altLang="zh-CN" b="1" dirty="0" smtClean="0"/>
-              <a:t>Agenda</a:t>
-            </a:r>
-            <a:endParaRPr kumimoji="1" lang="zh-CN" altLang="en-US" b="1" dirty="0"/>
-          </a:p>
-        </p:txBody>
-      </p:sp>
-      <p:sp>
-        <p:nvSpPr>
-          <p:cNvPr id="3" name="内容占位符 2"/>
-          <p:cNvSpPr>
-            <a:spLocks noGrp="1"/>
-          </p:cNvSpPr>
-          <p:nvPr>
-            <p:ph idx="1"/>
-          </p:nvPr>
-        </p:nvSpPr>
-        <p:spPr>
-          <a:xfrm>
-            <a:off x="838200" y="1073888"/>
-            <a:ext cx="8204200" cy="5448832"/>
-          </a:xfrm>
-        </p:spPr>
-        <p:txBody>
-          <a:bodyPr>
-            <a:normAutofit/>
-          </a:bodyPr>
-          <a:lstStyle/>
-          <a:p>
             <a:pPr>
-              <a:buFont typeface="Wingdings" charset="2"/>
-              <a:buChar char="Ø"/>
-            </a:pPr>
-            <a:r>
-              <a:rPr kumimoji="1" lang="zh-CN" altLang="en-US" sz="2400" dirty="0">
-                <a:solidFill>
-                  <a:schemeClr val="accent5"/>
-                </a:solidFill>
-              </a:rPr>
-              <a:t>代码优化</a:t>
-            </a:r>
-            <a:endParaRPr kumimoji="1" lang="en-US" altLang="zh-CN" sz="2400" dirty="0">
-              <a:solidFill>
-                <a:schemeClr val="accent5"/>
-              </a:solidFill>
-            </a:endParaRPr>
-          </a:p>
-          <a:p>
-            <a:pPr lvl="1">
-              <a:buFont typeface="Wingdings" charset="2"/>
-              <a:buChar char="l"/>
-            </a:pPr>
-            <a:r>
-              <a:rPr kumimoji="1" lang="zh-CN" altLang="en-US" sz="2100" dirty="0">
-                <a:solidFill>
-                  <a:schemeClr val="accent5"/>
-                </a:solidFill>
-              </a:rPr>
-              <a:t>全局路由</a:t>
-            </a:r>
-            <a:endParaRPr kumimoji="1" lang="en-US" altLang="zh-CN" sz="2100" dirty="0">
-              <a:solidFill>
-                <a:schemeClr val="accent5"/>
-              </a:solidFill>
-            </a:endParaRPr>
-          </a:p>
-          <a:p>
-            <a:pPr lvl="1">
               <a:lnSpc>
                 <a:spcPct val="150000"/>
               </a:lnSpc>
               <a:buFont typeface="Wingdings" charset="2"/>
-              <a:buChar char="l"/>
+              <a:buChar char="Ø"/>
             </a:pPr>
             <a:r>
-              <a:rPr kumimoji="1" lang="zh-CN" altLang="en-US" sz="2000" dirty="0">
-                <a:solidFill>
-                  <a:schemeClr val="accent5"/>
-                </a:solidFill>
-              </a:rPr>
-              <a:t>使用合理的数据</a:t>
-            </a:r>
-            <a:r>
-              <a:rPr kumimoji="1" lang="zh-CN" altLang="en-US" sz="2000" dirty="0" smtClean="0">
-                <a:solidFill>
-                  <a:schemeClr val="accent5"/>
-                </a:solidFill>
-              </a:rPr>
-              <a:t>结构</a:t>
-            </a:r>
-            <a:endParaRPr kumimoji="1" lang="en-US" altLang="zh-CN" sz="2000" dirty="0" smtClean="0">
-              <a:solidFill>
-                <a:schemeClr val="accent5"/>
-              </a:solidFill>
-            </a:endParaRPr>
-          </a:p>
-          <a:p>
-            <a:pPr lvl="1">
+              <a:rPr kumimoji="1" lang="zh-CN" altLang="en-US" dirty="0" smtClean="0"/>
+              <a:t>便于做 </a:t>
+            </a:r>
+            <a:r>
+              <a:rPr kumimoji="1" lang="en-US" altLang="zh-CN" dirty="0" smtClean="0"/>
+              <a:t>Domain</a:t>
+            </a:r>
+            <a:r>
+              <a:rPr kumimoji="1" lang="zh-CN" altLang="en-US" dirty="0" smtClean="0"/>
+              <a:t> </a:t>
+            </a:r>
+            <a:r>
+              <a:rPr kumimoji="1" lang="en-US" altLang="zh-CN" dirty="0" err="1" smtClean="0"/>
+              <a:t>Sharding</a:t>
+            </a:r>
+            <a:r>
+              <a:rPr kumimoji="1" lang="zh-CN" altLang="en-US" dirty="0" smtClean="0"/>
+              <a:t> </a:t>
+            </a:r>
+            <a:r>
+              <a:rPr kumimoji="1" lang="en-US" altLang="zh-CN" dirty="0" smtClean="0"/>
+              <a:t>(</a:t>
+            </a:r>
+            <a:r>
+              <a:rPr kumimoji="1" lang="zh-CN" altLang="en-US" dirty="0" smtClean="0"/>
+              <a:t>域分片</a:t>
+            </a:r>
+            <a:r>
+              <a:rPr kumimoji="1" lang="en-US" altLang="zh-CN" dirty="0" smtClean="0"/>
+              <a:t>)</a:t>
+            </a:r>
+          </a:p>
+          <a:p>
+            <a:pPr>
               <a:lnSpc>
                 <a:spcPct val="150000"/>
               </a:lnSpc>
               <a:buFont typeface="Wingdings" charset="2"/>
-              <a:buChar char="l"/>
+              <a:buChar char="Ø"/>
             </a:pPr>
             <a:r>
-              <a:rPr kumimoji="1" lang="zh-CN" altLang="en-US" sz="2000" dirty="0" smtClean="0">
-                <a:solidFill>
-                  <a:schemeClr val="accent5"/>
-                </a:solidFill>
-              </a:rPr>
-              <a:t>基础服务迁移至 </a:t>
-            </a:r>
-            <a:r>
-              <a:rPr kumimoji="1" lang="en-US" altLang="zh-CN" sz="2000" dirty="0" smtClean="0">
-                <a:solidFill>
-                  <a:schemeClr val="accent5"/>
-                </a:solidFill>
-              </a:rPr>
-              <a:t>Avenue</a:t>
-            </a:r>
-            <a:r>
-              <a:rPr kumimoji="1" lang="zh-CN" altLang="en-US" sz="2000" dirty="0" smtClean="0">
-                <a:solidFill>
-                  <a:schemeClr val="accent5"/>
-                </a:solidFill>
-              </a:rPr>
+              <a:rPr kumimoji="1" lang="zh-CN" altLang="en-US" dirty="0" smtClean="0"/>
+              <a:t>对于 </a:t>
+            </a:r>
+            <a:r>
+              <a:rPr kumimoji="1" lang="en-US" altLang="zh-CN" dirty="0" smtClean="0"/>
+              <a:t>Http</a:t>
+            </a:r>
+            <a:r>
+              <a:rPr kumimoji="1" lang="zh-CN" altLang="en-US" dirty="0" smtClean="0"/>
               <a:t> </a:t>
             </a:r>
             <a:r>
-              <a:rPr kumimoji="1" lang="en-US" altLang="zh-CN" sz="2000" dirty="0" smtClean="0">
-                <a:solidFill>
-                  <a:schemeClr val="accent5"/>
-                </a:solidFill>
-              </a:rPr>
-              <a:t>Framework</a:t>
-            </a:r>
-          </a:p>
-          <a:p>
-            <a:pPr lvl="1">
+              <a:rPr kumimoji="1" lang="en-US" altLang="zh-CN" dirty="0" smtClean="0"/>
+              <a:t>1.1,</a:t>
+            </a:r>
+            <a:r>
+              <a:rPr kumimoji="1" lang="zh-CN" altLang="en-US" dirty="0" smtClean="0"/>
+              <a:t> </a:t>
+            </a:r>
+            <a:r>
+              <a:rPr kumimoji="1" lang="en-US" altLang="zh-CN" dirty="0" smtClean="0"/>
+              <a:t>Domain</a:t>
+            </a:r>
+            <a:r>
+              <a:rPr kumimoji="1" lang="zh-CN" altLang="en-US" dirty="0" smtClean="0"/>
+              <a:t> </a:t>
+            </a:r>
+            <a:r>
+              <a:rPr kumimoji="1" lang="en-US" altLang="zh-CN" dirty="0" err="1" smtClean="0"/>
+              <a:t>Sharding</a:t>
+            </a:r>
+            <a:r>
+              <a:rPr kumimoji="1" lang="zh-CN" altLang="en-US" dirty="0" smtClean="0"/>
+              <a:t> 可以有效解决线头阻塞 </a:t>
+            </a:r>
+            <a:r>
+              <a:rPr kumimoji="1" lang="en-US" altLang="zh-CN" dirty="0" smtClean="0"/>
+              <a:t>(Head</a:t>
+            </a:r>
+            <a:r>
+              <a:rPr kumimoji="1" lang="zh-CN" altLang="en-US" dirty="0" smtClean="0"/>
+              <a:t> </a:t>
+            </a:r>
+            <a:r>
+              <a:rPr kumimoji="1" lang="en-US" altLang="zh-CN" dirty="0" smtClean="0"/>
+              <a:t>of</a:t>
+            </a:r>
+            <a:r>
+              <a:rPr kumimoji="1" lang="zh-CN" altLang="en-US" dirty="0" smtClean="0"/>
+              <a:t> </a:t>
+            </a:r>
+            <a:r>
+              <a:rPr kumimoji="1" lang="en-US" altLang="zh-CN" dirty="0" smtClean="0"/>
+              <a:t>blocking</a:t>
+            </a:r>
+            <a:r>
+              <a:rPr kumimoji="1" lang="zh-CN" altLang="en-US" dirty="0" smtClean="0"/>
+              <a:t> </a:t>
+            </a:r>
+            <a:r>
+              <a:rPr kumimoji="1" lang="en-US" altLang="zh-CN" dirty="0" smtClean="0"/>
+              <a:t>line)</a:t>
+            </a:r>
+          </a:p>
+          <a:p>
+            <a:pPr>
               <a:lnSpc>
                 <a:spcPct val="150000"/>
               </a:lnSpc>
               <a:buFont typeface="Wingdings" charset="2"/>
-              <a:buChar char="l"/>
+              <a:buChar char="Ø"/>
             </a:pPr>
             <a:r>
-              <a:rPr kumimoji="1" lang="zh-CN" altLang="en-US" sz="2000" dirty="0" smtClean="0">
-                <a:solidFill>
-                  <a:schemeClr val="accent5"/>
-                </a:solidFill>
-              </a:rPr>
-              <a:t>利用</a:t>
-            </a:r>
-            <a:r>
-              <a:rPr kumimoji="1" lang="zh-CN" altLang="en-US" sz="2000" dirty="0">
-                <a:solidFill>
-                  <a:schemeClr val="accent5"/>
-                </a:solidFill>
-              </a:rPr>
-              <a:t>设计模式将不变的部分抽象</a:t>
-            </a:r>
-            <a:r>
-              <a:rPr kumimoji="1" lang="zh-CN" altLang="en-US" sz="2000" dirty="0" smtClean="0">
-                <a:solidFill>
-                  <a:schemeClr val="accent5"/>
-                </a:solidFill>
-              </a:rPr>
-              <a:t>出来</a:t>
-            </a:r>
-            <a:endParaRPr kumimoji="1" lang="en-US" altLang="zh-CN" sz="2000" dirty="0">
-              <a:solidFill>
-                <a:schemeClr val="accent5"/>
-              </a:solidFill>
-            </a:endParaRPr>
-          </a:p>
-          <a:p>
-            <a:pPr lvl="1">
-              <a:lnSpc>
-                <a:spcPct val="150000"/>
-              </a:lnSpc>
-              <a:buFont typeface="Wingdings" charset="2"/>
-              <a:buChar char="l"/>
-            </a:pPr>
-            <a:r>
-              <a:rPr kumimoji="1" lang="en-US" altLang="zh-CN" sz="2000" dirty="0">
-                <a:solidFill>
-                  <a:schemeClr val="accent5"/>
-                </a:solidFill>
-              </a:rPr>
-              <a:t>Widget</a:t>
-            </a:r>
-          </a:p>
-          <a:p>
-            <a:pPr lvl="1">
-              <a:lnSpc>
-                <a:spcPct val="150000"/>
-              </a:lnSpc>
-              <a:buFont typeface="Wingdings" charset="2"/>
-              <a:buChar char="l"/>
-            </a:pPr>
-            <a:r>
-              <a:rPr kumimoji="1" lang="en-US" altLang="zh-CN" sz="2000" dirty="0" smtClean="0">
-                <a:solidFill>
-                  <a:schemeClr val="accent5"/>
-                </a:solidFill>
-              </a:rPr>
-              <a:t>Logger</a:t>
-            </a:r>
-            <a:endParaRPr kumimoji="1" lang="en-US" altLang="zh-CN" sz="2000" dirty="0">
-              <a:solidFill>
-                <a:schemeClr val="accent5"/>
-              </a:solidFill>
-            </a:endParaRPr>
-          </a:p>
-          <a:p>
-            <a:pPr lvl="1">
-              <a:lnSpc>
-                <a:spcPct val="150000"/>
-              </a:lnSpc>
-              <a:buFont typeface="Wingdings" charset="2"/>
-              <a:buChar char="l"/>
-            </a:pPr>
-            <a:r>
-              <a:rPr kumimoji="1" lang="zh-CN" altLang="en-US" sz="2000" dirty="0">
-                <a:solidFill>
-                  <a:schemeClr val="accent5"/>
-                </a:solidFill>
-              </a:rPr>
-              <a:t>线上环境 </a:t>
-            </a:r>
-            <a:r>
-              <a:rPr kumimoji="1" lang="en-US" altLang="zh-CN" sz="2000" dirty="0" smtClean="0">
-                <a:solidFill>
-                  <a:schemeClr val="accent5"/>
-                </a:solidFill>
-              </a:rPr>
-              <a:t>Debug</a:t>
-            </a:r>
-            <a:endParaRPr kumimoji="1" lang="en-US" altLang="zh-CN" sz="2000" dirty="0">
-              <a:solidFill>
-                <a:schemeClr val="accent5"/>
-              </a:solidFill>
-            </a:endParaRPr>
+              <a:rPr kumimoji="1" lang="en-US" altLang="zh-CN" dirty="0" smtClean="0"/>
+              <a:t>Domain</a:t>
+            </a:r>
+            <a:r>
+              <a:rPr kumimoji="1" lang="zh-CN" altLang="en-US" dirty="0" smtClean="0"/>
+              <a:t> </a:t>
+            </a:r>
+            <a:r>
+              <a:rPr kumimoji="1" lang="en-US" altLang="zh-CN" dirty="0" err="1" smtClean="0"/>
+              <a:t>Sharding</a:t>
+            </a:r>
+            <a:r>
+              <a:rPr kumimoji="1" lang="zh-CN" altLang="en-US" dirty="0" smtClean="0"/>
+              <a:t> 提升了</a:t>
+            </a:r>
+            <a:r>
+              <a:rPr kumimoji="1" lang="en-US" altLang="zh-CN" dirty="0" smtClean="0"/>
+              <a:t>Browser</a:t>
+            </a:r>
+            <a:r>
+              <a:rPr kumimoji="1" lang="zh-CN" altLang="en-US" dirty="0" smtClean="0"/>
+              <a:t> 的并发能力</a:t>
+            </a:r>
+            <a:endParaRPr kumimoji="1" lang="en-US" altLang="zh-CN" dirty="0"/>
           </a:p>
         </p:txBody>
       </p:sp>
     </p:spTree>
     <p:extLst>
       <p:ext uri="{BB962C8B-B14F-4D97-AF65-F5344CB8AC3E}">
-        <p14:creationId xmlns:p14="http://schemas.microsoft.com/office/powerpoint/2010/main" val="2047086050"/>
+        <p14:creationId xmlns:p14="http://schemas.microsoft.com/office/powerpoint/2010/main" val="876263294"/>
       </p:ext>
     </p:extLst>
   </p:cSld>
@@ -8726,33 +8671,10 @@
             <p:ph type="title"/>
           </p:nvPr>
         </p:nvSpPr>
-        <p:spPr/>
-        <p:txBody>
-          <a:bodyPr/>
-          <a:lstStyle/>
-          <a:p>
-            <a:r>
-              <a:rPr kumimoji="1" lang="zh-CN" altLang="en-US" dirty="0" smtClean="0"/>
-              <a:t>全局路由</a:t>
-            </a:r>
-            <a:endParaRPr kumimoji="1" lang="zh-CN" altLang="en-US" dirty="0"/>
-          </a:p>
-        </p:txBody>
-      </p:sp>
-      <p:sp>
-        <p:nvSpPr>
-          <p:cNvPr id="3" name="内容占位符 2"/>
-          <p:cNvSpPr>
-            <a:spLocks noGrp="1"/>
-          </p:cNvSpPr>
-          <p:nvPr>
-            <p:ph idx="1"/>
-          </p:nvPr>
-        </p:nvSpPr>
         <p:spPr>
           <a:xfrm>
-            <a:off x="677334" y="1449389"/>
-            <a:ext cx="8596668" cy="3880773"/>
+            <a:off x="838200" y="365125"/>
+            <a:ext cx="10515600" cy="708763"/>
           </a:xfrm>
         </p:spPr>
         <p:txBody>
@@ -8761,26 +8683,72 @@
           </a:bodyPr>
           <a:lstStyle/>
           <a:p>
+            <a:r>
+              <a:rPr kumimoji="1" lang="en-US" altLang="zh-CN" b="1" dirty="0" smtClean="0"/>
+              <a:t>Agenda</a:t>
+            </a:r>
+            <a:endParaRPr kumimoji="1" lang="zh-CN" altLang="en-US" b="1" dirty="0"/>
+          </a:p>
+        </p:txBody>
+      </p:sp>
+      <p:sp>
+        <p:nvSpPr>
+          <p:cNvPr id="3" name="内容占位符 2"/>
+          <p:cNvSpPr>
+            <a:spLocks noGrp="1"/>
+          </p:cNvSpPr>
+          <p:nvPr>
+            <p:ph idx="1"/>
+          </p:nvPr>
+        </p:nvSpPr>
+        <p:spPr>
+          <a:xfrm>
+            <a:off x="838200" y="1073888"/>
+            <a:ext cx="8204200" cy="5448832"/>
+          </a:xfrm>
+        </p:spPr>
+        <p:txBody>
+          <a:bodyPr>
+            <a:normAutofit/>
+          </a:bodyPr>
+          <a:lstStyle/>
+          <a:p>
             <a:pPr>
-              <a:lnSpc>
-                <a:spcPct val="150000"/>
-              </a:lnSpc>
               <a:buFont typeface="Wingdings" charset="2"/>
               <a:buChar char="Ø"/>
             </a:pPr>
             <a:r>
-              <a:rPr kumimoji="1" lang="zh-CN" altLang="en-US" dirty="0" smtClean="0"/>
-              <a:t>目前全局路由分散在各个微服务，部署在所有 </a:t>
-            </a:r>
-            <a:r>
-              <a:rPr kumimoji="1" lang="en-US" altLang="zh-CN" dirty="0" smtClean="0"/>
-              <a:t>tomcat</a:t>
-            </a:r>
-            <a:r>
-              <a:rPr kumimoji="1" lang="zh-CN" altLang="en-US" dirty="0" smtClean="0"/>
-              <a:t> 节点之上，带来了以下问题：</a:t>
-            </a:r>
-            <a:endParaRPr kumimoji="1" lang="en-US" altLang="zh-CN" dirty="0" smtClean="0"/>
+              <a:rPr kumimoji="1" lang="zh-CN" altLang="en-US" sz="2400" dirty="0">
+                <a:solidFill>
+                  <a:schemeClr val="accent5"/>
+                </a:solidFill>
+              </a:rPr>
+              <a:t>代码优化</a:t>
+            </a:r>
+            <a:endParaRPr kumimoji="1" lang="en-US" altLang="zh-CN" sz="2400" dirty="0">
+              <a:solidFill>
+                <a:schemeClr val="accent5"/>
+              </a:solidFill>
+            </a:endParaRPr>
+          </a:p>
+          <a:p>
+            <a:pPr lvl="1">
+              <a:buFont typeface="Wingdings" charset="2"/>
+              <a:buChar char="l"/>
+            </a:pPr>
+            <a:r>
+              <a:rPr kumimoji="1" lang="zh-CN" altLang="en-US" sz="2100" dirty="0">
+                <a:solidFill>
+                  <a:schemeClr val="accent5"/>
+                </a:solidFill>
+              </a:rPr>
+              <a:t>全局路由</a:t>
+            </a:r>
+            <a:endParaRPr kumimoji="1" lang="en-US" altLang="zh-CN" sz="2100" dirty="0">
+              <a:solidFill>
+                <a:schemeClr val="accent5"/>
+              </a:solidFill>
+            </a:endParaRPr>
           </a:p>
           <a:p>
             <a:pPr lvl="1">
@@ -8791,26 +8759,26 @@
               <a:buChar char="l"/>
             </a:pPr>
             <a:r>
-              <a:rPr kumimoji="1" lang="zh-CN" altLang="en-US" dirty="0" smtClean="0"/>
-              <a:t>添加，修改微服务时需要同步所有微服务的 </a:t>
-            </a:r>
-            <a:r>
-              <a:rPr kumimoji="1" lang="en-US" altLang="zh-CN" dirty="0" smtClean="0"/>
-              <a:t>app-route-</a:t>
-            </a:r>
-            <a:r>
-              <a:rPr kumimoji="1" lang="en-US" altLang="zh-CN" dirty="0" err="1" smtClean="0"/>
-              <a:t>config.js</a:t>
-            </a:r>
-            <a:r>
-              <a:rPr kumimoji="1" lang="zh-CN" altLang="en-US" dirty="0"/>
-              <a:t> </a:t>
-            </a:r>
-            <a:r>
-              <a:rPr kumimoji="1" lang="zh-CN" altLang="en-US" dirty="0" smtClean="0"/>
-              <a:t>文件</a:t>
-            </a:r>
-            <a:endParaRPr kumimoji="1" lang="en-US" altLang="zh-CN" dirty="0" smtClean="0"/>
+              <a:rPr kumimoji="1" lang="zh-CN" altLang="en-US" sz="2000" dirty="0">
+                <a:solidFill>
+                  <a:schemeClr val="accent5"/>
+                </a:solidFill>
+              </a:rPr>
+              <a:t>使用合理的数据</a:t>
+            </a:r>
+            <a:r>
+              <a:rPr kumimoji="1" lang="zh-CN" altLang="en-US" sz="2000" dirty="0" smtClean="0">
+                <a:solidFill>
+                  <a:schemeClr val="accent5"/>
+                </a:solidFill>
+              </a:rPr>
+              <a:t>结构</a:t>
+            </a:r>
+            <a:endParaRPr kumimoji="1" lang="en-US" altLang="zh-CN" sz="2000" dirty="0" smtClean="0">
+              <a:solidFill>
+                <a:schemeClr val="accent5"/>
+              </a:solidFill>
+            </a:endParaRPr>
           </a:p>
           <a:p>
             <a:pPr lvl="1">
@@ -8821,10 +8789,37 @@
               <a:buChar char="l"/>
             </a:pPr>
             <a:r>
-              <a:rPr kumimoji="1" lang="zh-CN" altLang="en-US" dirty="0" smtClean="0"/>
-              <a:t>基于上述原因，很容易造成路由不同步的情况，导致路由功能无法正常工作</a:t>
-            </a:r>
-            <a:endParaRPr kumimoji="1" lang="en-US" altLang="zh-CN" dirty="0" smtClean="0"/>
+              <a:rPr kumimoji="1" lang="zh-CN" altLang="en-US" sz="2000" dirty="0" smtClean="0">
+                <a:solidFill>
+                  <a:schemeClr val="accent5"/>
+                </a:solidFill>
+              </a:rPr>
+              <a:t>基础服务迁移至 </a:t>
+            </a:r>
+            <a:r>
+              <a:rPr kumimoji="1" lang="en-US" altLang="zh-CN" sz="2000" dirty="0" smtClean="0">
+                <a:solidFill>
+                  <a:schemeClr val="accent5"/>
+                </a:solidFill>
+              </a:rPr>
+              <a:t>Avenue</a:t>
+            </a:r>
+            <a:r>
+              <a:rPr kumimoji="1" lang="zh-CN" altLang="en-US" sz="2000" dirty="0" smtClean="0">
+                <a:solidFill>
+                  <a:schemeClr val="accent5"/>
+                </a:solidFill>
+              </a:rPr>
+              <a:t> </a:t>
+            </a:r>
+            <a:r>
+              <a:rPr kumimoji="1" lang="en-US" altLang="zh-CN" sz="2000" dirty="0" smtClean="0">
+                <a:solidFill>
+                  <a:schemeClr val="accent5"/>
+                </a:solidFill>
+              </a:rPr>
+              <a:t>Framework</a:t>
+            </a:r>
           </a:p>
           <a:p>
             <a:pPr lvl="1">
@@ -8835,17 +8830,110 @@
               <a:buChar char="l"/>
             </a:pPr>
             <a:r>
-              <a:rPr kumimoji="1" lang="zh-CN" altLang="en-US" dirty="0" smtClean="0"/>
-              <a:t>维护异常繁琐</a:t>
-            </a:r>
-            <a:endParaRPr kumimoji="1" lang="en-US" altLang="zh-CN" dirty="0"/>
+              <a:rPr kumimoji="1" lang="zh-CN" altLang="en-US" sz="2000" dirty="0" smtClean="0">
+                <a:solidFill>
+                  <a:schemeClr val="accent5"/>
+                </a:solidFill>
+              </a:rPr>
+              <a:t>利用</a:t>
+            </a:r>
+            <a:r>
+              <a:rPr kumimoji="1" lang="zh-CN" altLang="en-US" sz="2000" dirty="0">
+                <a:solidFill>
+                  <a:schemeClr val="accent5"/>
+                </a:solidFill>
+              </a:rPr>
+              <a:t>设计模式将不变的部分抽象</a:t>
+            </a:r>
+            <a:r>
+              <a:rPr kumimoji="1" lang="zh-CN" altLang="en-US" sz="2000" dirty="0" smtClean="0">
+                <a:solidFill>
+                  <a:schemeClr val="accent5"/>
+                </a:solidFill>
+              </a:rPr>
+              <a:t>出来</a:t>
+            </a:r>
+            <a:endParaRPr kumimoji="1" lang="en-US" altLang="zh-CN" sz="2000" dirty="0">
+              <a:solidFill>
+                <a:schemeClr val="accent5"/>
+              </a:solidFill>
+            </a:endParaRPr>
+          </a:p>
+          <a:p>
+            <a:pPr lvl="1">
+              <a:lnSpc>
+                <a:spcPct val="150000"/>
+              </a:lnSpc>
+              <a:buFont typeface="Wingdings" charset="2"/>
+              <a:buChar char="l"/>
+            </a:pPr>
+            <a:r>
+              <a:rPr kumimoji="1" lang="en-US" altLang="zh-CN" sz="2000" dirty="0">
+                <a:solidFill>
+                  <a:schemeClr val="accent5"/>
+                </a:solidFill>
+              </a:rPr>
+              <a:t>Widget</a:t>
+            </a:r>
+          </a:p>
+          <a:p>
+            <a:pPr lvl="1">
+              <a:lnSpc>
+                <a:spcPct val="150000"/>
+              </a:lnSpc>
+              <a:buFont typeface="Wingdings" charset="2"/>
+              <a:buChar char="l"/>
+            </a:pPr>
+            <a:r>
+              <a:rPr kumimoji="1" lang="en-US" altLang="zh-CN" sz="2000" dirty="0" smtClean="0">
+                <a:solidFill>
+                  <a:schemeClr val="accent5"/>
+                </a:solidFill>
+              </a:rPr>
+              <a:t>Logger</a:t>
+            </a:r>
+            <a:endParaRPr kumimoji="1" lang="en-US" altLang="zh-CN" sz="2000" dirty="0">
+              <a:solidFill>
+                <a:schemeClr val="accent5"/>
+              </a:solidFill>
+            </a:endParaRPr>
+          </a:p>
+          <a:p>
+            <a:pPr lvl="1">
+              <a:lnSpc>
+                <a:spcPct val="150000"/>
+              </a:lnSpc>
+              <a:buFont typeface="Wingdings" charset="2"/>
+              <a:buChar char="l"/>
+            </a:pPr>
+            <a:r>
+              <a:rPr kumimoji="1" lang="zh-CN" altLang="en-US" sz="2000" dirty="0">
+                <a:solidFill>
+                  <a:schemeClr val="accent5"/>
+                </a:solidFill>
+              </a:rPr>
+              <a:t>线上环境 </a:t>
+            </a:r>
+            <a:r>
+              <a:rPr kumimoji="1" lang="en-US" altLang="zh-CN" sz="2000" dirty="0" smtClean="0">
+                <a:solidFill>
+                  <a:schemeClr val="accent5"/>
+                </a:solidFill>
+              </a:rPr>
+              <a:t>Debug</a:t>
+            </a:r>
+            <a:endParaRPr kumimoji="1" lang="en-US" altLang="zh-CN" sz="2000" dirty="0">
+              <a:solidFill>
+                <a:schemeClr val="accent5"/>
+              </a:solidFill>
+            </a:endParaRPr>
           </a:p>
         </p:txBody>
       </p:sp>
     </p:spTree>
     <p:extLst>
       <p:ext uri="{BB962C8B-B14F-4D97-AF65-F5344CB8AC3E}">
-        <p14:creationId xmlns:p14="http://schemas.microsoft.com/office/powerpoint/2010/main" val="144360187"/>
+        <p14:creationId xmlns:p14="http://schemas.microsoft.com/office/powerpoint/2010/main" val="2047086050"/>
       </p:ext>
     </p:extLst>
   </p:cSld>
@@ -8898,6 +8986,169 @@
               <a:rPr kumimoji="1" lang="zh-CN" altLang="en-US" dirty="0" smtClean="0"/>
               <a:t>全局路由</a:t>
             </a:r>
+            <a:endParaRPr kumimoji="1" lang="zh-CN" altLang="en-US" dirty="0"/>
+          </a:p>
+        </p:txBody>
+      </p:sp>
+      <p:sp>
+        <p:nvSpPr>
+          <p:cNvPr id="3" name="内容占位符 2"/>
+          <p:cNvSpPr>
+            <a:spLocks noGrp="1"/>
+          </p:cNvSpPr>
+          <p:nvPr>
+            <p:ph idx="1"/>
+          </p:nvPr>
+        </p:nvSpPr>
+        <p:spPr>
+          <a:xfrm>
+            <a:off x="677334" y="1449389"/>
+            <a:ext cx="8596668" cy="3880773"/>
+          </a:xfrm>
+        </p:spPr>
+        <p:txBody>
+          <a:bodyPr>
+            <a:normAutofit/>
+          </a:bodyPr>
+          <a:lstStyle/>
+          <a:p>
+            <a:pPr>
+              <a:lnSpc>
+                <a:spcPct val="150000"/>
+              </a:lnSpc>
+              <a:buFont typeface="Wingdings" charset="2"/>
+              <a:buChar char="Ø"/>
+            </a:pPr>
+            <a:r>
+              <a:rPr kumimoji="1" lang="zh-CN" altLang="en-US" dirty="0" smtClean="0"/>
+              <a:t>目前全局路由分散在各个微服务，部署在所有 </a:t>
+            </a:r>
+            <a:r>
+              <a:rPr kumimoji="1" lang="en-US" altLang="zh-CN" dirty="0" smtClean="0"/>
+              <a:t>tomcat</a:t>
+            </a:r>
+            <a:r>
+              <a:rPr kumimoji="1" lang="zh-CN" altLang="en-US" dirty="0" smtClean="0"/>
+              <a:t> 节点之上，带来了以下问题：</a:t>
+            </a:r>
+            <a:endParaRPr kumimoji="1" lang="en-US" altLang="zh-CN" dirty="0" smtClean="0"/>
+          </a:p>
+          <a:p>
+            <a:pPr lvl="1">
+              <a:lnSpc>
+                <a:spcPct val="150000"/>
+              </a:lnSpc>
+              <a:buFont typeface="Wingdings" charset="2"/>
+              <a:buChar char="l"/>
+            </a:pPr>
+            <a:r>
+              <a:rPr kumimoji="1" lang="zh-CN" altLang="en-US" dirty="0" smtClean="0"/>
+              <a:t>添加，修改微服务时需要同步所有微服务的 </a:t>
+            </a:r>
+            <a:r>
+              <a:rPr kumimoji="1" lang="en-US" altLang="zh-CN" dirty="0" smtClean="0"/>
+              <a:t>app-route-</a:t>
+            </a:r>
+            <a:r>
+              <a:rPr kumimoji="1" lang="en-US" altLang="zh-CN" dirty="0" err="1" smtClean="0"/>
+              <a:t>config.js</a:t>
+            </a:r>
+            <a:r>
+              <a:rPr kumimoji="1" lang="zh-CN" altLang="en-US" dirty="0"/>
+              <a:t> </a:t>
+            </a:r>
+            <a:r>
+              <a:rPr kumimoji="1" lang="zh-CN" altLang="en-US" dirty="0" smtClean="0"/>
+              <a:t>文件</a:t>
+            </a:r>
+            <a:endParaRPr kumimoji="1" lang="en-US" altLang="zh-CN" dirty="0" smtClean="0"/>
+          </a:p>
+          <a:p>
+            <a:pPr lvl="1">
+              <a:lnSpc>
+                <a:spcPct val="150000"/>
+              </a:lnSpc>
+              <a:buFont typeface="Wingdings" charset="2"/>
+              <a:buChar char="l"/>
+            </a:pPr>
+            <a:r>
+              <a:rPr kumimoji="1" lang="zh-CN" altLang="en-US" dirty="0" smtClean="0"/>
+              <a:t>基于上述原因，很容易造成路由不同步的情况，导致路由功能无法正常工作</a:t>
+            </a:r>
+            <a:endParaRPr kumimoji="1" lang="en-US" altLang="zh-CN" dirty="0" smtClean="0"/>
+          </a:p>
+          <a:p>
+            <a:pPr lvl="1">
+              <a:lnSpc>
+                <a:spcPct val="150000"/>
+              </a:lnSpc>
+              <a:buFont typeface="Wingdings" charset="2"/>
+              <a:buChar char="l"/>
+            </a:pPr>
+            <a:r>
+              <a:rPr kumimoji="1" lang="zh-CN" altLang="en-US" dirty="0" smtClean="0"/>
+              <a:t>维护异常繁琐</a:t>
+            </a:r>
+            <a:endParaRPr kumimoji="1" lang="en-US" altLang="zh-CN" dirty="0"/>
+          </a:p>
+        </p:txBody>
+      </p:sp>
+    </p:spTree>
+    <p:extLst>
+      <p:ext uri="{BB962C8B-B14F-4D97-AF65-F5344CB8AC3E}">
+        <p14:creationId xmlns:p14="http://schemas.microsoft.com/office/powerpoint/2010/main" val="144360187"/>
+      </p:ext>
+    </p:extLst>
+  </p:cSld>
+  <p:clrMapOvr>
+    <a:masterClrMapping/>
+  </p:clrMapOvr>
+  <p:timing>
+    <p:tnLst>
+      <p:par>
+        <p:cTn id="1" dur="indefinite" restart="never" nodeType="tmRoot"/>
+      </p:par>
+    </p:tnLst>
+  </p:timing>
+</p:sld>
+</file>
+
+<file path=ppt/slides/slide17.xml><?xml version="1.0" encoding="utf-8"?>
+<p:sld xmlns:a="http://schemas.openxmlformats.org/drawingml/2006/main" xmlns:r="http://schemas.openxmlformats.org/officeDocument/2006/relationships" xmlns:p="http://schemas.openxmlformats.org/presentationml/2006/main">
+  <p:cSld>
+    <p:spTree>
+      <p:nvGrpSpPr>
+        <p:cNvPr id="1" name=""/>
+        <p:cNvGrpSpPr/>
+        <p:nvPr/>
+      </p:nvGrpSpPr>
+      <p:grpSpPr>
+        <a:xfrm>
+          <a:off x="0" y="0"/>
+          <a:ext cx="0" cy="0"/>
+          <a:chOff x="0" y="0"/>
+          <a:chExt cx="0" cy="0"/>
+        </a:xfrm>
+      </p:grpSpPr>
+      <p:sp>
+        <p:nvSpPr>
+          <p:cNvPr id="2" name="标题 1"/>
+          <p:cNvSpPr>
+            <a:spLocks noGrp="1"/>
+          </p:cNvSpPr>
+          <p:nvPr>
+            <p:ph type="title"/>
+          </p:nvPr>
+        </p:nvSpPr>
+        <p:spPr/>
+        <p:txBody>
+          <a:bodyPr/>
+          <a:lstStyle/>
+          <a:p>
+            <a:r>
+              <a:rPr kumimoji="1" lang="zh-CN" altLang="en-US" dirty="0" smtClean="0"/>
+              <a:t>全局路由</a:t>
+            </a:r>
             <a:r>
               <a:rPr kumimoji="1" lang="en-US" altLang="zh-CN" dirty="0" smtClean="0"/>
               <a:t>(Cont.)</a:t>
@@ -9061,7 +9312,7 @@
 </p:sld>
 </file>
 
-<file path=ppt/slides/slide17.xml><?xml version="1.0" encoding="utf-8"?>
+<file path=ppt/slides/slide18.xml><?xml version="1.0" encoding="utf-8"?>
 <p:sld xmlns:a="http://schemas.openxmlformats.org/drawingml/2006/main" xmlns:r="http://schemas.openxmlformats.org/officeDocument/2006/relationships" xmlns:p="http://schemas.openxmlformats.org/presentationml/2006/main">
   <p:cSld>
     <p:spTree>
@@ -9980,119 +10231,6 @@
 </p:sld>
 </file>
 
-<file path=ppt/slides/slide18.xml><?xml version="1.0" encoding="utf-8"?>
-<p:sld xmlns:a="http://schemas.openxmlformats.org/drawingml/2006/main" xmlns:r="http://schemas.openxmlformats.org/officeDocument/2006/relationships" xmlns:p="http://schemas.openxmlformats.org/presentationml/2006/main">
-  <p:cSld>
-    <p:spTree>
-      <p:nvGrpSpPr>
-        <p:cNvPr id="1" name=""/>
-        <p:cNvGrpSpPr/>
-        <p:nvPr/>
-      </p:nvGrpSpPr>
-      <p:grpSpPr>
-        <a:xfrm>
-          <a:off x="0" y="0"/>
-          <a:ext cx="0" cy="0"/>
-          <a:chOff x="0" y="0"/>
-          <a:chExt cx="0" cy="0"/>
-        </a:xfrm>
-      </p:grpSpPr>
-      <p:sp>
-        <p:nvSpPr>
-          <p:cNvPr id="2" name="标题 1"/>
-          <p:cNvSpPr>
-            <a:spLocks noGrp="1"/>
-          </p:cNvSpPr>
-          <p:nvPr>
-            <p:ph type="title"/>
-          </p:nvPr>
-        </p:nvSpPr>
-        <p:spPr/>
-        <p:txBody>
-          <a:bodyPr/>
-          <a:lstStyle/>
-          <a:p>
-            <a:r>
-              <a:rPr kumimoji="1" lang="zh-CN" altLang="en-US" dirty="0" smtClean="0"/>
-              <a:t>使用合理的数据结构</a:t>
-            </a:r>
-            <a:endParaRPr kumimoji="1" lang="zh-CN" altLang="en-US" dirty="0"/>
-          </a:p>
-        </p:txBody>
-      </p:sp>
-      <p:sp>
-        <p:nvSpPr>
-          <p:cNvPr id="3" name="内容占位符 2"/>
-          <p:cNvSpPr>
-            <a:spLocks noGrp="1"/>
-          </p:cNvSpPr>
-          <p:nvPr>
-            <p:ph idx="1"/>
-          </p:nvPr>
-        </p:nvSpPr>
-        <p:spPr>
-          <a:xfrm>
-            <a:off x="677334" y="1449389"/>
-            <a:ext cx="8596668" cy="3880773"/>
-          </a:xfrm>
-        </p:spPr>
-        <p:txBody>
-          <a:bodyPr>
-            <a:normAutofit/>
-          </a:bodyPr>
-          <a:lstStyle/>
-          <a:p>
-            <a:pPr>
-              <a:lnSpc>
-                <a:spcPct val="150000"/>
-              </a:lnSpc>
-              <a:buFont typeface="Wingdings" charset="2"/>
-              <a:buChar char="Ø"/>
-            </a:pPr>
-            <a:r>
-              <a:rPr kumimoji="1" lang="en-US" altLang="zh-CN" dirty="0" err="1" smtClean="0"/>
-              <a:t>JADProjectHome</a:t>
-            </a:r>
-            <a:r>
-              <a:rPr kumimoji="1" lang="zh-CN" altLang="en-US" dirty="0" smtClean="0"/>
-              <a:t> </a:t>
-            </a:r>
-            <a:r>
-              <a:rPr kumimoji="1" lang="en-US" altLang="zh-CN" dirty="0" err="1" smtClean="0"/>
-              <a:t>boardcast</a:t>
-            </a:r>
-            <a:r>
-              <a:rPr kumimoji="1" lang="zh-CN" altLang="en-US" dirty="0" smtClean="0"/>
-              <a:t> </a:t>
-            </a:r>
-            <a:r>
-              <a:rPr kumimoji="1" lang="en-US" altLang="zh-CN" dirty="0" smtClean="0"/>
-              <a:t>service</a:t>
-            </a:r>
-            <a:endParaRPr kumimoji="1" lang="en-US" altLang="zh-CN" dirty="0"/>
-          </a:p>
-        </p:txBody>
-      </p:sp>
-    </p:spTree>
-    <p:extLst>
-      <p:ext uri="{BB962C8B-B14F-4D97-AF65-F5344CB8AC3E}">
-        <p14:creationId xmlns:p14="http://schemas.microsoft.com/office/powerpoint/2010/main" val="162561811"/>
-      </p:ext>
-    </p:extLst>
-  </p:cSld>
-  <p:clrMapOvr>
-    <a:masterClrMapping/>
-  </p:clrMapOvr>
-  <p:timing>
-    <p:tnLst>
-      <p:par>
-        <p:cTn id="1" dur="indefinite" restart="never" nodeType="tmRoot"/>
-      </p:par>
-    </p:tnLst>
-  </p:timing>
-</p:sld>
-</file>
-
 <file path=ppt/slides/slide19.xml><?xml version="1.0" encoding="utf-8"?>
 <p:sld xmlns:a="http://schemas.openxmlformats.org/drawingml/2006/main" xmlns:r="http://schemas.openxmlformats.org/officeDocument/2006/relationships" xmlns:p="http://schemas.openxmlformats.org/presentationml/2006/main">
   <p:cSld>
@@ -10120,67 +10258,16 @@
             <p:ph type="title"/>
           </p:nvPr>
         </p:nvSpPr>
-        <p:spPr>
-          <a:xfrm>
-            <a:off x="677334" y="518160"/>
-            <a:ext cx="8596668" cy="1320800"/>
-          </a:xfrm>
-        </p:spPr>
-        <p:txBody>
-          <a:bodyPr>
-            <a:normAutofit/>
-          </a:bodyPr>
+        <p:spPr/>
+        <p:txBody>
+          <a:bodyPr/>
           <a:lstStyle/>
           <a:p>
-            <a:pPr lvl="1">
-              <a:lnSpc>
-                <a:spcPct val="150000"/>
-              </a:lnSpc>
-            </a:pPr>
-            <a:r>
-              <a:rPr kumimoji="1" lang="zh-CN" altLang="en-US" sz="3600" kern="1200" dirty="0">
-                <a:solidFill>
-                  <a:schemeClr val="accent1"/>
-                </a:solidFill>
-                <a:latin typeface="+mj-lt"/>
-                <a:ea typeface="+mj-ea"/>
-                <a:cs typeface="+mj-cs"/>
-              </a:rPr>
-              <a:t>基础服务迁移至 </a:t>
-            </a:r>
-            <a:r>
-              <a:rPr kumimoji="1" lang="en-US" altLang="zh-CN" sz="3600" kern="1200" dirty="0">
-                <a:solidFill>
-                  <a:schemeClr val="accent1"/>
-                </a:solidFill>
-                <a:latin typeface="+mj-lt"/>
-                <a:ea typeface="+mj-ea"/>
-                <a:cs typeface="+mj-cs"/>
-              </a:rPr>
-              <a:t>Avenue</a:t>
-            </a:r>
-            <a:r>
-              <a:rPr kumimoji="1" lang="zh-CN" altLang="en-US" sz="3600" kern="1200" dirty="0">
-                <a:solidFill>
-                  <a:schemeClr val="accent1"/>
-                </a:solidFill>
-                <a:latin typeface="+mj-lt"/>
-                <a:ea typeface="+mj-ea"/>
-                <a:cs typeface="+mj-cs"/>
-              </a:rPr>
-              <a:t> </a:t>
-            </a:r>
-            <a:r>
-              <a:rPr kumimoji="1" lang="en-US" altLang="zh-CN" sz="3600" kern="1200" dirty="0">
-                <a:solidFill>
-                  <a:schemeClr val="accent1"/>
-                </a:solidFill>
-                <a:latin typeface="+mj-lt"/>
-                <a:ea typeface="+mj-ea"/>
-                <a:cs typeface="+mj-cs"/>
-              </a:rPr>
-              <a:t>Framework</a:t>
-            </a:r>
+            <a:r>
+              <a:rPr kumimoji="1" lang="zh-CN" altLang="en-US" dirty="0" smtClean="0"/>
+              <a:t>使用合理的数据结构</a:t>
+            </a:r>
+            <a:endParaRPr kumimoji="1" lang="zh-CN" altLang="en-US" dirty="0"/>
           </a:p>
         </p:txBody>
       </p:sp>
@@ -10214,69 +10301,24 @@
               <a:buChar char="Ø"/>
             </a:pPr>
             <a:r>
-              <a:rPr kumimoji="1" lang="zh-CN" altLang="en-US" dirty="0" smtClean="0"/>
-              <a:t>一些基础设施分散在各个微服务内，比如 </a:t>
-            </a:r>
-            <a:r>
-              <a:rPr kumimoji="1" lang="en-US" altLang="zh-CN" dirty="0" smtClean="0"/>
-              <a:t>Broadcast</a:t>
+              <a:rPr kumimoji="1" lang="en-US" altLang="zh-CN" dirty="0" err="1" smtClean="0"/>
+              <a:t>JADProjectHome</a:t>
             </a:r>
             <a:r>
               <a:rPr kumimoji="1" lang="zh-CN" altLang="en-US" dirty="0" smtClean="0"/>
               <a:t> </a:t>
             </a:r>
             <a:r>
+              <a:rPr kumimoji="1" lang="en-US" altLang="zh-CN" dirty="0" err="1" smtClean="0"/>
+              <a:t>boardcast</a:t>
+            </a:r>
+            <a:r>
+              <a:rPr kumimoji="1" lang="zh-CN" altLang="en-US" dirty="0" smtClean="0"/>
+              <a:t> </a:t>
+            </a:r>
+            <a:r>
               <a:rPr kumimoji="1" lang="en-US" altLang="zh-CN" dirty="0" smtClean="0"/>
               <a:t>service</a:t>
-            </a:r>
-          </a:p>
-          <a:p>
-            <a:pPr>
-              <a:lnSpc>
-                <a:spcPct val="150000"/>
-              </a:lnSpc>
-              <a:buFont typeface="Wingdings" charset="2"/>
-              <a:buChar char="Ø"/>
-            </a:pPr>
-            <a:r>
-              <a:rPr kumimoji="1" lang="zh-CN" altLang="en-US" dirty="0" smtClean="0"/>
-              <a:t>可以将类似服务放在框架层面</a:t>
-            </a:r>
-            <a:endParaRPr kumimoji="1" lang="en-US" altLang="zh-CN" dirty="0" smtClean="0"/>
-          </a:p>
-          <a:p>
-            <a:pPr>
-              <a:lnSpc>
-                <a:spcPct val="150000"/>
-              </a:lnSpc>
-              <a:buFont typeface="Wingdings" charset="2"/>
-              <a:buChar char="Ø"/>
-            </a:pPr>
-            <a:r>
-              <a:rPr kumimoji="1" lang="zh-CN" altLang="en-US" dirty="0" smtClean="0"/>
-              <a:t>便于维护</a:t>
-            </a:r>
-            <a:endParaRPr kumimoji="1" lang="en-US" altLang="zh-CN" dirty="0" smtClean="0"/>
-          </a:p>
-          <a:p>
-            <a:pPr>
-              <a:lnSpc>
-                <a:spcPct val="150000"/>
-              </a:lnSpc>
-              <a:buFont typeface="Wingdings" charset="2"/>
-              <a:buChar char="Ø"/>
-            </a:pPr>
-            <a:r>
-              <a:rPr kumimoji="1" lang="zh-CN" altLang="en-US" dirty="0" smtClean="0"/>
-              <a:t>类似基础设施还有 </a:t>
-            </a:r>
-            <a:r>
-              <a:rPr kumimoji="1" lang="en-US" altLang="zh-CN" dirty="0" smtClean="0"/>
-              <a:t>Logger</a:t>
-            </a:r>
-            <a:r>
-              <a:rPr kumimoji="1" lang="zh-CN" altLang="en-US" dirty="0" smtClean="0"/>
-              <a:t> 等服务</a:t>
             </a:r>
             <a:endParaRPr kumimoji="1" lang="en-US" altLang="zh-CN" dirty="0"/>
           </a:p>
@@ -10285,7 +10327,7 @@
     </p:spTree>
     <p:extLst>
       <p:ext uri="{BB962C8B-B14F-4D97-AF65-F5344CB8AC3E}">
-        <p14:creationId xmlns:p14="http://schemas.microsoft.com/office/powerpoint/2010/main" val="1127663336"/>
+        <p14:creationId xmlns:p14="http://schemas.microsoft.com/office/powerpoint/2010/main" val="162561811"/>
       </p:ext>
     </p:extLst>
   </p:cSld>
@@ -10406,7 +10448,7 @@
               <a:buChar char="l"/>
             </a:pPr>
             <a:r>
-              <a:rPr kumimoji="1" lang="zh-CN" altLang="en-US" sz="1800" dirty="0" smtClean="0">
+              <a:rPr kumimoji="1" lang="zh-CN" altLang="en-US" sz="2000" dirty="0" smtClean="0">
                 <a:solidFill>
                   <a:schemeClr val="accent5"/>
                 </a:solidFill>
@@ -10414,7 +10456,7 @@
               <a:t>利用 </a:t>
             </a:r>
             <a:r>
-              <a:rPr kumimoji="1" lang="en-US" altLang="zh-CN" sz="1800" dirty="0" smtClean="0">
+              <a:rPr kumimoji="1" lang="en-US" altLang="zh-CN" sz="2000" dirty="0" smtClean="0">
                 <a:solidFill>
                   <a:schemeClr val="accent5"/>
                 </a:solidFill>
@@ -10422,7 +10464,7 @@
               <a:t>Http</a:t>
             </a:r>
             <a:r>
-              <a:rPr kumimoji="1" lang="zh-CN" altLang="en-US" sz="1800" dirty="0" smtClean="0">
+              <a:rPr kumimoji="1" lang="zh-CN" altLang="en-US" sz="2000" dirty="0" smtClean="0">
                 <a:solidFill>
                   <a:schemeClr val="accent5"/>
                 </a:solidFill>
@@ -10430,7 +10472,7 @@
               <a:t> </a:t>
             </a:r>
             <a:r>
-              <a:rPr kumimoji="1" lang="en-US" altLang="zh-CN" sz="1800" dirty="0" smtClean="0">
+              <a:rPr kumimoji="1" lang="en-US" altLang="zh-CN" sz="2000" dirty="0" smtClean="0">
                 <a:solidFill>
                   <a:schemeClr val="accent5"/>
                 </a:solidFill>
@@ -10438,14 +10480,14 @@
               <a:t>Compression</a:t>
             </a:r>
             <a:r>
-              <a:rPr kumimoji="1" lang="zh-CN" altLang="en-US" sz="1800" dirty="0" smtClean="0">
+              <a:rPr kumimoji="1" lang="zh-CN" altLang="en-US" sz="2000" dirty="0" smtClean="0">
                 <a:solidFill>
                   <a:schemeClr val="accent5"/>
                 </a:solidFill>
               </a:rPr>
               <a:t> 减少网络数据传输大小</a:t>
             </a:r>
-            <a:endParaRPr kumimoji="1" lang="en-US" altLang="zh-CN" sz="1800" dirty="0" smtClean="0">
+            <a:endParaRPr kumimoji="1" lang="en-US" altLang="zh-CN" sz="2000" dirty="0" smtClean="0">
               <a:solidFill>
                 <a:schemeClr val="accent5"/>
               </a:solidFill>
@@ -10460,7 +10502,7 @@
               <a:buChar char="l"/>
             </a:pPr>
             <a:r>
-              <a:rPr kumimoji="1" lang="zh-CN" altLang="en-US" sz="1800" dirty="0" smtClean="0">
+              <a:rPr kumimoji="1" lang="zh-CN" altLang="en-US" sz="2000" dirty="0" smtClean="0">
                 <a:solidFill>
                   <a:schemeClr val="accent5"/>
                 </a:solidFill>
@@ -10468,7 +10510,7 @@
               <a:t>利用 </a:t>
             </a:r>
             <a:r>
-              <a:rPr kumimoji="1" lang="en-US" altLang="zh-CN" sz="1800" dirty="0" smtClean="0">
+              <a:rPr kumimoji="1" lang="en-US" altLang="zh-CN" sz="2000" dirty="0" smtClean="0">
                 <a:solidFill>
                   <a:schemeClr val="accent5"/>
                 </a:solidFill>
@@ -10476,7 +10518,7 @@
               <a:t>Http</a:t>
             </a:r>
             <a:r>
-              <a:rPr kumimoji="1" lang="zh-CN" altLang="en-US" sz="1800" dirty="0" smtClean="0">
+              <a:rPr kumimoji="1" lang="zh-CN" altLang="en-US" sz="2000" dirty="0" smtClean="0">
                 <a:solidFill>
                   <a:schemeClr val="accent5"/>
                 </a:solidFill>
@@ -10484,7 +10526,7 @@
               <a:t> </a:t>
             </a:r>
             <a:r>
-              <a:rPr kumimoji="1" lang="en-US" altLang="zh-CN" sz="1800" dirty="0" smtClean="0">
+              <a:rPr kumimoji="1" lang="en-US" altLang="zh-CN" sz="2000" dirty="0" smtClean="0">
                 <a:solidFill>
                   <a:schemeClr val="accent5"/>
                 </a:solidFill>
@@ -10492,7 +10534,7 @@
               <a:t>Cache</a:t>
             </a:r>
             <a:r>
-              <a:rPr kumimoji="1" lang="zh-CN" altLang="en-US" sz="1800" dirty="0" smtClean="0">
+              <a:rPr kumimoji="1" lang="zh-CN" altLang="en-US" sz="2000" dirty="0" smtClean="0">
                 <a:solidFill>
                   <a:schemeClr val="accent5"/>
                 </a:solidFill>
@@ -10500,7 +10542,7 @@
               <a:t> 优化超大 </a:t>
             </a:r>
             <a:r>
-              <a:rPr kumimoji="1" lang="en-US" altLang="zh-CN" sz="1800" dirty="0" smtClean="0">
+              <a:rPr kumimoji="1" lang="en-US" altLang="zh-CN" sz="2000" dirty="0" smtClean="0">
                 <a:solidFill>
                   <a:schemeClr val="accent5"/>
                 </a:solidFill>
@@ -10508,7 +10550,7 @@
               <a:t>JAD</a:t>
             </a:r>
             <a:r>
-              <a:rPr kumimoji="1" lang="zh-CN" altLang="en-US" sz="1800" dirty="0" smtClean="0">
+              <a:rPr kumimoji="1" lang="zh-CN" altLang="en-US" sz="2000" dirty="0" smtClean="0">
                 <a:solidFill>
                   <a:schemeClr val="accent5"/>
                 </a:solidFill>
@@ -10516,7 +10558,7 @@
               <a:t> 微服务 </a:t>
             </a:r>
             <a:r>
-              <a:rPr kumimoji="1" lang="en-US" altLang="zh-CN" sz="1800" dirty="0" smtClean="0">
+              <a:rPr kumimoji="1" lang="en-US" altLang="zh-CN" sz="2000" dirty="0" smtClean="0">
                 <a:solidFill>
                   <a:schemeClr val="accent5"/>
                 </a:solidFill>
@@ -10524,7 +10566,7 @@
               <a:t>JavaScript</a:t>
             </a:r>
             <a:r>
-              <a:rPr kumimoji="1" lang="zh-CN" altLang="en-US" sz="1800" dirty="0" smtClean="0">
+              <a:rPr kumimoji="1" lang="zh-CN" altLang="en-US" sz="2000" dirty="0" smtClean="0">
                 <a:solidFill>
                   <a:schemeClr val="accent5"/>
                 </a:solidFill>
@@ -10532,7 +10574,7 @@
               <a:t> </a:t>
             </a:r>
             <a:r>
-              <a:rPr kumimoji="1" lang="en-US" altLang="zh-CN" sz="1800" dirty="0" smtClean="0">
+              <a:rPr kumimoji="1" lang="en-US" altLang="zh-CN" sz="2000" dirty="0" smtClean="0">
                 <a:solidFill>
                   <a:schemeClr val="accent5"/>
                 </a:solidFill>
@@ -10540,14 +10582,14 @@
               <a:t>module</a:t>
             </a:r>
             <a:r>
-              <a:rPr kumimoji="1" lang="zh-CN" altLang="en-US" sz="1800" dirty="0" smtClean="0">
+              <a:rPr kumimoji="1" lang="zh-CN" altLang="en-US" sz="2000" dirty="0" smtClean="0">
                 <a:solidFill>
                   <a:schemeClr val="accent5"/>
                 </a:solidFill>
               </a:rPr>
               <a:t> 文件</a:t>
             </a:r>
-            <a:endParaRPr kumimoji="1" lang="en-US" altLang="zh-CN" sz="1800" dirty="0" smtClean="0">
+            <a:endParaRPr kumimoji="1" lang="en-US" altLang="zh-CN" sz="2000" dirty="0" smtClean="0">
               <a:solidFill>
                 <a:schemeClr val="accent5"/>
               </a:solidFill>
@@ -10562,7 +10604,7 @@
               <a:buChar char="l"/>
             </a:pPr>
             <a:r>
-              <a:rPr kumimoji="1" lang="zh-CN" altLang="en-US" sz="1800" dirty="0" smtClean="0">
+              <a:rPr kumimoji="1" lang="zh-CN" altLang="en-US" sz="2000" dirty="0" smtClean="0">
                 <a:solidFill>
                   <a:schemeClr val="accent5"/>
                 </a:solidFill>
@@ -10570,7 +10612,7 @@
               <a:t>取消 </a:t>
             </a:r>
             <a:r>
-              <a:rPr kumimoji="1" lang="en-US" altLang="zh-CN" sz="1800" dirty="0" smtClean="0">
+              <a:rPr kumimoji="1" lang="en-US" altLang="zh-CN" sz="2000" dirty="0" smtClean="0">
                 <a:solidFill>
                   <a:schemeClr val="accent5"/>
                 </a:solidFill>
@@ -10578,7 +10620,7 @@
               <a:t>Nginx</a:t>
             </a:r>
             <a:r>
-              <a:rPr kumimoji="1" lang="zh-CN" altLang="en-US" sz="1800" dirty="0" smtClean="0">
+              <a:rPr kumimoji="1" lang="zh-CN" altLang="en-US" sz="2000" dirty="0" smtClean="0">
                 <a:solidFill>
                   <a:schemeClr val="accent5"/>
                 </a:solidFill>
@@ -10586,7 +10628,7 @@
               <a:t> </a:t>
             </a:r>
             <a:r>
-              <a:rPr kumimoji="1" lang="en-US" altLang="zh-CN" sz="1800" dirty="0" smtClean="0">
+              <a:rPr kumimoji="1" lang="en-US" altLang="zh-CN" sz="2000" dirty="0" smtClean="0">
                 <a:solidFill>
                   <a:schemeClr val="accent5"/>
                 </a:solidFill>
@@ -10594,14 +10636,14 @@
               <a:t>rewrite</a:t>
             </a:r>
             <a:r>
-              <a:rPr kumimoji="1" lang="zh-CN" altLang="en-US" sz="1800" dirty="0" smtClean="0">
+              <a:rPr kumimoji="1" lang="zh-CN" altLang="en-US" sz="2000" dirty="0" smtClean="0">
                 <a:solidFill>
                   <a:schemeClr val="accent5"/>
                 </a:solidFill>
               </a:rPr>
               <a:t> 规则</a:t>
             </a:r>
-            <a:endParaRPr kumimoji="1" lang="en-US" altLang="zh-CN" sz="1800" dirty="0" smtClean="0">
+            <a:endParaRPr kumimoji="1" lang="en-US" altLang="zh-CN" sz="2000" dirty="0" smtClean="0">
               <a:solidFill>
                 <a:schemeClr val="accent5"/>
               </a:solidFill>
@@ -10616,31 +10658,15 @@
               <a:buChar char="l"/>
             </a:pPr>
             <a:r>
-              <a:rPr kumimoji="1" lang="zh-CN" altLang="en-US" sz="1800" dirty="0" smtClean="0">
+              <a:rPr kumimoji="1" lang="zh-CN" altLang="en-US" sz="2000" dirty="0" smtClean="0">
                 <a:solidFill>
                   <a:schemeClr val="accent5"/>
                 </a:solidFill>
               </a:rPr>
-              <a:t>静态资源文件</a:t>
-            </a:r>
-            <a:r>
-              <a:rPr kumimoji="1" lang="zh-CN" altLang="en-US" sz="1800" dirty="0" smtClean="0">
-                <a:solidFill>
-                  <a:schemeClr val="accent5"/>
-                </a:solidFill>
-              </a:rPr>
-              <a:t>迁移</a:t>
-            </a:r>
-            <a:r>
-              <a:rPr kumimoji="1" lang="zh-CN" altLang="en-US" sz="1800" dirty="0" smtClean="0">
-                <a:solidFill>
-                  <a:schemeClr val="accent5"/>
-                </a:solidFill>
-              </a:rPr>
-              <a:t>至 </a:t>
-            </a:r>
-            <a:r>
-              <a:rPr kumimoji="1" lang="en-US" altLang="zh-CN" sz="1800" dirty="0" smtClean="0">
+              <a:t>静态资源文件迁移至 </a:t>
+            </a:r>
+            <a:r>
+              <a:rPr kumimoji="1" lang="en-US" altLang="zh-CN" sz="2000" dirty="0" smtClean="0">
                 <a:solidFill>
                   <a:schemeClr val="accent5"/>
                 </a:solidFill>
@@ -10648,60 +10674,22 @@
               <a:t>Nginx</a:t>
             </a:r>
             <a:r>
-              <a:rPr kumimoji="1" lang="zh-CN" altLang="en-US" sz="1800" dirty="0" smtClean="0">
+              <a:rPr kumimoji="1" lang="zh-CN" altLang="en-US" sz="2000" dirty="0" smtClean="0">
                 <a:solidFill>
                   <a:schemeClr val="accent5"/>
                 </a:solidFill>
               </a:rPr>
-              <a:t> 层</a:t>
-            </a:r>
-            <a:endParaRPr kumimoji="1" lang="en-US" altLang="zh-CN" sz="1800" dirty="0" smtClean="0">
-              <a:solidFill>
-                <a:schemeClr val="accent5"/>
-              </a:solidFill>
-            </a:endParaRPr>
-          </a:p>
-          <a:p>
-            <a:pPr lvl="1">
-              <a:lnSpc>
-                <a:spcPct val="150000"/>
-              </a:lnSpc>
-              <a:buFont typeface="Wingdings" charset="2"/>
-              <a:buChar char="l"/>
-            </a:pPr>
-            <a:r>
-              <a:rPr kumimoji="1" lang="zh-CN" altLang="en-US" sz="1800" dirty="0" smtClean="0">
+              <a:t> </a:t>
+            </a:r>
+            <a:r>
+              <a:rPr kumimoji="1" lang="zh-CN" altLang="en-US" sz="2000" dirty="0" smtClean="0">
                 <a:solidFill>
                   <a:schemeClr val="accent5"/>
                 </a:solidFill>
               </a:rPr>
-              <a:t>利用 </a:t>
-            </a:r>
-            <a:r>
-              <a:rPr kumimoji="1" lang="en-US" altLang="zh-CN" sz="1800" dirty="0">
-                <a:solidFill>
-                  <a:schemeClr val="accent5"/>
-                </a:solidFill>
-              </a:rPr>
-              <a:t>Http/2</a:t>
-            </a:r>
-            <a:r>
-              <a:rPr kumimoji="1" lang="zh-CN" altLang="en-US" sz="1800" dirty="0">
-                <a:solidFill>
-                  <a:schemeClr val="accent5"/>
-                </a:solidFill>
-              </a:rPr>
-              <a:t> 减少网络</a:t>
-            </a:r>
-            <a:r>
-              <a:rPr kumimoji="1" lang="zh-CN" altLang="en-US" sz="1800" dirty="0" smtClean="0">
-                <a:solidFill>
-                  <a:schemeClr val="accent5"/>
-                </a:solidFill>
-              </a:rPr>
-              <a:t>延迟 （待定）</a:t>
-            </a:r>
-            <a:endParaRPr kumimoji="1" lang="en-US" altLang="zh-CN" sz="1800" dirty="0">
+              <a:t>层</a:t>
+            </a:r>
+            <a:endParaRPr kumimoji="1" lang="en-US" altLang="zh-CN" sz="2000" dirty="0" smtClean="0">
               <a:solidFill>
                 <a:schemeClr val="accent5"/>
               </a:solidFill>
@@ -10774,7 +10762,7 @@
               </a:lnSpc>
             </a:pPr>
             <a:r>
-              <a:rPr kumimoji="1" lang="zh-CN" altLang="en-US" sz="3600" kern="1200" dirty="0" smtClean="0">
+              <a:rPr kumimoji="1" lang="zh-CN" altLang="en-US" sz="3600" kern="1200" dirty="0">
                 <a:solidFill>
                   <a:schemeClr val="accent1"/>
                 </a:solidFill>
@@ -10782,16 +10770,41 @@
                 <a:ea typeface="+mj-ea"/>
                 <a:cs typeface="+mj-cs"/>
               </a:rPr>
-              <a:t>利用设计模式将不变的部分抽象出来</a:t>
-            </a:r>
-            <a:endParaRPr kumimoji="1" lang="en-US" altLang="zh-CN" sz="3600" kern="1200" dirty="0">
-              <a:solidFill>
-                <a:schemeClr val="accent1"/>
-              </a:solidFill>
-              <a:latin typeface="+mj-lt"/>
-              <a:ea typeface="+mj-ea"/>
-              <a:cs typeface="+mj-cs"/>
-            </a:endParaRPr>
+              <a:t>基础服务迁移至 </a:t>
+            </a:r>
+            <a:r>
+              <a:rPr kumimoji="1" lang="en-US" altLang="zh-CN" sz="3600" kern="1200" dirty="0">
+                <a:solidFill>
+                  <a:schemeClr val="accent1"/>
+                </a:solidFill>
+                <a:latin typeface="+mj-lt"/>
+                <a:ea typeface="+mj-ea"/>
+                <a:cs typeface="+mj-cs"/>
+              </a:rPr>
+              <a:t>Avenue</a:t>
+            </a:r>
+            <a:r>
+              <a:rPr kumimoji="1" lang="zh-CN" altLang="en-US" sz="3600" kern="1200" dirty="0">
+                <a:solidFill>
+                  <a:schemeClr val="accent1"/>
+                </a:solidFill>
+                <a:latin typeface="+mj-lt"/>
+                <a:ea typeface="+mj-ea"/>
+                <a:cs typeface="+mj-cs"/>
+              </a:rPr>
+              <a:t> </a:t>
+            </a:r>
+            <a:r>
+              <a:rPr kumimoji="1" lang="en-US" altLang="zh-CN" sz="3600" kern="1200" dirty="0">
+                <a:solidFill>
+                  <a:schemeClr val="accent1"/>
+                </a:solidFill>
+                <a:latin typeface="+mj-lt"/>
+                <a:ea typeface="+mj-ea"/>
+                <a:cs typeface="+mj-cs"/>
+              </a:rPr>
+              <a:t>Framework</a:t>
+            </a:r>
           </a:p>
         </p:txBody>
       </p:sp>
@@ -10813,7 +10826,7 @@
         </p:spPr>
         <p:txBody>
           <a:bodyPr>
-            <a:normAutofit lnSpcReduction="10000"/>
+            <a:normAutofit/>
           </a:bodyPr>
           <a:lstStyle/>
           <a:p>
@@ -10826,13 +10839,20 @@
             </a:pPr>
             <a:r>
               <a:rPr kumimoji="1" lang="zh-CN" altLang="en-US" dirty="0" smtClean="0"/>
-              <a:t>需要基类来维护通用的逻辑，比如 </a:t>
-            </a:r>
-            <a:r>
-              <a:rPr kumimoji="1" lang="en-US" altLang="zh-CN" dirty="0" err="1" smtClean="0"/>
-              <a:t>BaseComponent</a:t>
-            </a:r>
-            <a:endParaRPr kumimoji="1" lang="en-US" altLang="zh-CN" dirty="0" smtClean="0"/>
+              <a:t>一些基础设施分散在各个微服务内，比如 </a:t>
+            </a:r>
+            <a:r>
+              <a:rPr kumimoji="1" lang="en-US" altLang="zh-CN" dirty="0" smtClean="0"/>
+              <a:t>Broadcast</a:t>
+            </a:r>
+            <a:r>
+              <a:rPr kumimoji="1" lang="zh-CN" altLang="en-US" dirty="0" smtClean="0"/>
+              <a:t> </a:t>
+            </a:r>
+            <a:r>
+              <a:rPr kumimoji="1" lang="en-US" altLang="zh-CN" dirty="0" smtClean="0"/>
+              <a:t>service</a:t>
+            </a:r>
           </a:p>
           <a:p>
             <a:pPr>
@@ -10844,36 +10864,9 @@
             </a:pPr>
             <a:r>
               <a:rPr kumimoji="1" lang="zh-CN" altLang="en-US" dirty="0" smtClean="0"/>
-              <a:t>每个业务组件需要自己关心初始化 </a:t>
-            </a:r>
-            <a:r>
-              <a:rPr kumimoji="1" lang="en-US" altLang="zh-CN" dirty="0" smtClean="0"/>
-              <a:t>subscriptions</a:t>
-            </a:r>
-            <a:r>
-              <a:rPr kumimoji="1" lang="zh-CN" altLang="en-US" dirty="0" smtClean="0"/>
-              <a:t> 数组，在</a:t>
-            </a:r>
-            <a:r>
-              <a:rPr kumimoji="1" lang="en-US" altLang="zh-CN" dirty="0" err="1" smtClean="0"/>
-              <a:t>ngdestroy</a:t>
-            </a:r>
-            <a:r>
-              <a:rPr kumimoji="1" lang="zh-CN" altLang="en-US" dirty="0" smtClean="0"/>
-              <a:t> 中 </a:t>
-            </a:r>
-            <a:r>
-              <a:rPr kumimoji="1" lang="en-US" altLang="zh-CN" dirty="0" smtClean="0"/>
-              <a:t>unsubscribe</a:t>
-            </a:r>
-            <a:r>
-              <a:rPr kumimoji="1" lang="zh-CN" altLang="en-US" dirty="0" smtClean="0"/>
-              <a:t> </a:t>
-            </a:r>
-            <a:r>
-              <a:rPr kumimoji="1" lang="en-US" altLang="zh-CN" dirty="0" smtClean="0"/>
-              <a:t>subscription</a:t>
-            </a:r>
+              <a:t>可以将类似服务放在框架层面</a:t>
+            </a:r>
+            <a:endParaRPr kumimoji="1" lang="en-US" altLang="zh-CN" dirty="0" smtClean="0"/>
           </a:p>
           <a:p>
             <a:pPr>
@@ -10885,23 +10878,7 @@
             </a:pPr>
             <a:r>
               <a:rPr kumimoji="1" lang="zh-CN" altLang="en-US" dirty="0" smtClean="0"/>
-              <a:t>子组件只需继承 </a:t>
-            </a:r>
-            <a:r>
-              <a:rPr kumimoji="1" lang="en-US" altLang="zh-CN" dirty="0" err="1" smtClean="0"/>
-              <a:t>BaseComponent</a:t>
-            </a:r>
-            <a:r>
-              <a:rPr kumimoji="1" lang="zh-CN" altLang="en-US" dirty="0" smtClean="0"/>
-              <a:t>，订阅时调用 </a:t>
-            </a:r>
-            <a:r>
-              <a:rPr kumimoji="1" lang="en-US" altLang="zh-CN" dirty="0" err="1" smtClean="0"/>
-              <a:t>BaseComponent</a:t>
-            </a:r>
-            <a:r>
-              <a:rPr kumimoji="1" lang="zh-CN" altLang="en-US" dirty="0" smtClean="0"/>
-              <a:t> 封装好的方法即可</a:t>
+              <a:t>便于维护</a:t>
             </a:r>
             <a:endParaRPr kumimoji="1" lang="en-US" altLang="zh-CN" dirty="0" smtClean="0"/>
           </a:p>
@@ -10914,55 +10891,17 @@
               <a:buChar char="Ø"/>
             </a:pPr>
             <a:r>
-              <a:rPr kumimoji="1" lang="zh-CN" altLang="en-US" dirty="0"/>
-              <a:t>将类似上面的通用逻辑放置 </a:t>
-            </a:r>
-            <a:r>
-              <a:rPr kumimoji="1" lang="en-US" altLang="zh-CN" dirty="0" err="1"/>
-              <a:t>BaseComponent</a:t>
-            </a:r>
-            <a:r>
-              <a:rPr kumimoji="1" lang="zh-CN" altLang="en-US" dirty="0"/>
-              <a:t> 之上</a:t>
-            </a:r>
-            <a:endParaRPr kumimoji="1" lang="en-US" altLang="zh-CN" dirty="0"/>
-          </a:p>
-          <a:p>
-            <a:pPr>
-              <a:lnSpc>
-                <a:spcPct val="150000"/>
-              </a:lnSpc>
-              <a:buFont typeface="Wingdings" charset="2"/>
-              <a:buChar char="Ø"/>
-            </a:pPr>
-            <a:r>
-              <a:rPr kumimoji="1" lang="zh-CN" altLang="en-US" dirty="0" smtClean="0"/>
-              <a:t>便于维护，子组件只需关心自己的核心业务逻辑</a:t>
-            </a:r>
-            <a:endParaRPr kumimoji="1" lang="en-US" altLang="zh-CN" dirty="0" smtClean="0"/>
-          </a:p>
-          <a:p>
-            <a:pPr>
-              <a:lnSpc>
-                <a:spcPct val="150000"/>
-              </a:lnSpc>
-              <a:buFont typeface="Wingdings" charset="2"/>
-              <a:buChar char="Ø"/>
-            </a:pPr>
-            <a:r>
-              <a:rPr kumimoji="1" lang="zh-CN" altLang="en-US" dirty="0" smtClean="0"/>
-              <a:t>以上为模板模式的最佳实践</a:t>
-            </a:r>
-            <a:endParaRPr kumimoji="1" lang="en-US" altLang="zh-CN" dirty="0" smtClean="0"/>
-          </a:p>
-          <a:p>
-            <a:pPr>
-              <a:lnSpc>
-                <a:spcPct val="150000"/>
-              </a:lnSpc>
-              <a:buFont typeface="Wingdings" charset="2"/>
-              <a:buChar char="Ø"/>
-            </a:pPr>
+              <a:rPr kumimoji="1" lang="zh-CN" altLang="en-US" dirty="0" smtClean="0"/>
+              <a:t>类似基础设施还有 </a:t>
+            </a:r>
+            <a:r>
+              <a:rPr kumimoji="1" lang="en-US" altLang="zh-CN" dirty="0" smtClean="0"/>
+              <a:t>Logger</a:t>
+            </a:r>
+            <a:r>
+              <a:rPr kumimoji="1" lang="zh-CN" altLang="en-US" dirty="0" smtClean="0"/>
+              <a:t> 等服务</a:t>
+            </a:r>
             <a:endParaRPr kumimoji="1" lang="en-US" altLang="zh-CN" dirty="0"/>
           </a:p>
         </p:txBody>
@@ -10970,7 +10909,7 @@
     </p:spTree>
     <p:extLst>
       <p:ext uri="{BB962C8B-B14F-4D97-AF65-F5344CB8AC3E}">
-        <p14:creationId xmlns:p14="http://schemas.microsoft.com/office/powerpoint/2010/main" val="1159960803"/>
+        <p14:creationId xmlns:p14="http://schemas.microsoft.com/office/powerpoint/2010/main" val="1127663336"/>
       </p:ext>
     </p:extLst>
   </p:cSld>
@@ -11032,7 +10971,7 @@
               </a:lnSpc>
             </a:pPr>
             <a:r>
-              <a:rPr kumimoji="1" lang="en-US" altLang="zh-CN" sz="3600" kern="1200" dirty="0" smtClean="0">
+              <a:rPr kumimoji="1" lang="zh-CN" altLang="en-US" sz="3600" kern="1200" dirty="0" smtClean="0">
                 <a:solidFill>
                   <a:schemeClr val="accent1"/>
                 </a:solidFill>
@@ -11040,7 +10979,7 @@
                 <a:ea typeface="+mj-ea"/>
                 <a:cs typeface="+mj-cs"/>
               </a:rPr>
-              <a:t>Widget</a:t>
+              <a:t>利用设计模式将不变的部分抽象出来</a:t>
             </a:r>
             <a:endParaRPr kumimoji="1" lang="en-US" altLang="zh-CN" sz="3600" kern="1200" dirty="0">
               <a:solidFill>
@@ -11071,7 +11010,7 @@
         </p:spPr>
         <p:txBody>
           <a:bodyPr>
-            <a:normAutofit/>
+            <a:normAutofit lnSpcReduction="10000"/>
           </a:bodyPr>
           <a:lstStyle/>
           <a:p>
@@ -11084,12 +11023,13 @@
             </a:pPr>
             <a:r>
               <a:rPr kumimoji="1" lang="zh-CN" altLang="en-US" dirty="0" smtClean="0"/>
-              <a:t>开发可复用的 </a:t>
-            </a:r>
-            <a:r>
-              <a:rPr kumimoji="1" lang="en-US" altLang="zh-CN" dirty="0" smtClean="0"/>
-              <a:t>Widget</a:t>
-            </a:r>
+              <a:t>需要基类来维护通用的逻辑，比如 </a:t>
+            </a:r>
+            <a:r>
+              <a:rPr kumimoji="1" lang="en-US" altLang="zh-CN" dirty="0" err="1" smtClean="0"/>
+              <a:t>BaseComponent</a:t>
+            </a:r>
+            <a:endParaRPr kumimoji="1" lang="en-US" altLang="zh-CN" dirty="0" smtClean="0"/>
           </a:p>
           <a:p>
             <a:pPr>
@@ -11101,9 +11041,36 @@
             </a:pPr>
             <a:r>
               <a:rPr kumimoji="1" lang="zh-CN" altLang="en-US" dirty="0" smtClean="0"/>
-              <a:t>关注点分离</a:t>
-            </a:r>
-            <a:endParaRPr kumimoji="1" lang="en-US" altLang="zh-CN" dirty="0" smtClean="0"/>
+              <a:t>每个业务组件需要自己关心初始化 </a:t>
+            </a:r>
+            <a:r>
+              <a:rPr kumimoji="1" lang="en-US" altLang="zh-CN" dirty="0" smtClean="0"/>
+              <a:t>subscriptions</a:t>
+            </a:r>
+            <a:r>
+              <a:rPr kumimoji="1" lang="zh-CN" altLang="en-US" dirty="0" smtClean="0"/>
+              <a:t> 数组，在</a:t>
+            </a:r>
+            <a:r>
+              <a:rPr kumimoji="1" lang="en-US" altLang="zh-CN" dirty="0" err="1" smtClean="0"/>
+              <a:t>ngdestroy</a:t>
+            </a:r>
+            <a:r>
+              <a:rPr kumimoji="1" lang="zh-CN" altLang="en-US" dirty="0" smtClean="0"/>
+              <a:t> 中 </a:t>
+            </a:r>
+            <a:r>
+              <a:rPr kumimoji="1" lang="en-US" altLang="zh-CN" dirty="0" smtClean="0"/>
+              <a:t>unsubscribe</a:t>
+            </a:r>
+            <a:r>
+              <a:rPr kumimoji="1" lang="zh-CN" altLang="en-US" dirty="0" smtClean="0"/>
+              <a:t> </a:t>
+            </a:r>
+            <a:r>
+              <a:rPr kumimoji="1" lang="en-US" altLang="zh-CN" dirty="0" smtClean="0"/>
+              <a:t>subscription</a:t>
+            </a:r>
           </a:p>
           <a:p>
             <a:pPr>
@@ -11115,35 +11082,23 @@
             </a:pPr>
             <a:r>
               <a:rPr kumimoji="1" lang="zh-CN" altLang="en-US" dirty="0" smtClean="0"/>
-              <a:t>设计良好的 </a:t>
-            </a:r>
-            <a:r>
-              <a:rPr kumimoji="1" lang="en-US" altLang="zh-CN" dirty="0"/>
-              <a:t>W</a:t>
-            </a:r>
-            <a:r>
-              <a:rPr kumimoji="1" lang="en-US" altLang="zh-CN" dirty="0" smtClean="0"/>
-              <a:t>idget</a:t>
-            </a:r>
-            <a:r>
-              <a:rPr kumimoji="1" lang="zh-CN" altLang="en-US" dirty="0" smtClean="0"/>
-              <a:t> </a:t>
-            </a:r>
-            <a:r>
-              <a:rPr kumimoji="1" lang="en-US" altLang="zh-CN" dirty="0" smtClean="0"/>
-              <a:t>input</a:t>
-            </a:r>
-            <a:r>
-              <a:rPr kumimoji="1" lang="zh-CN" altLang="en-US" dirty="0" smtClean="0"/>
-              <a:t> 模型，避免重复的 </a:t>
-            </a:r>
-            <a:r>
-              <a:rPr kumimoji="1" lang="en-US" altLang="zh-CN" dirty="0" smtClean="0"/>
-              <a:t>Http</a:t>
-            </a:r>
-            <a:r>
-              <a:rPr kumimoji="1" lang="zh-CN" altLang="en-US" dirty="0" smtClean="0"/>
-              <a:t> 调用</a:t>
+              <a:t>子组件只需继承 </a:t>
+            </a:r>
+            <a:r>
+              <a:rPr kumimoji="1" lang="en-US" altLang="zh-CN" dirty="0" err="1" smtClean="0"/>
+              <a:t>BaseComponent</a:t>
+            </a:r>
+            <a:r>
+              <a:rPr kumimoji="1" lang="zh-CN" altLang="en-US" dirty="0" smtClean="0"/>
+              <a:t>，订阅时调用 </a:t>
+            </a:r>
+            <a:r>
+              <a:rPr kumimoji="1" lang="en-US" altLang="zh-CN" dirty="0" err="1" smtClean="0"/>
+              <a:t>BaseComponent</a:t>
+            </a:r>
+            <a:r>
+              <a:rPr kumimoji="1" lang="zh-CN" altLang="en-US" dirty="0" smtClean="0"/>
+              <a:t> 封装好的方法即可</a:t>
             </a:r>
             <a:endParaRPr kumimoji="1" lang="en-US" altLang="zh-CN" dirty="0" smtClean="0"/>
           </a:p>
@@ -11156,36 +11111,18 @@
               <a:buChar char="Ø"/>
             </a:pPr>
             <a:r>
-              <a:rPr kumimoji="1" lang="en-US" altLang="zh-CN" dirty="0" smtClean="0"/>
-              <a:t>Widget</a:t>
-            </a:r>
-            <a:r>
-              <a:rPr kumimoji="1" lang="zh-CN" altLang="en-US" dirty="0" smtClean="0"/>
-              <a:t> 化带来的副作用：</a:t>
-            </a:r>
-            <a:endParaRPr kumimoji="1" lang="en-US" altLang="zh-CN" dirty="0" smtClean="0"/>
-          </a:p>
-          <a:p>
-            <a:pPr lvl="1">
-              <a:lnSpc>
-                <a:spcPct val="150000"/>
-              </a:lnSpc>
-              <a:buFont typeface="Wingdings" charset="2"/>
-              <a:buChar char="l"/>
-            </a:pPr>
-            <a:r>
-              <a:rPr kumimoji="1" lang="zh-CN" altLang="en-US" dirty="0" smtClean="0"/>
-              <a:t>更多的 </a:t>
-            </a:r>
-            <a:r>
-              <a:rPr kumimoji="1" lang="en-US" altLang="zh-CN" dirty="0" smtClean="0"/>
-              <a:t>Http</a:t>
-            </a:r>
-            <a:r>
-              <a:rPr kumimoji="1" lang="zh-CN" altLang="en-US" dirty="0" smtClean="0"/>
-              <a:t> 调用</a:t>
-            </a:r>
-            <a:endParaRPr kumimoji="1" lang="en-US" altLang="zh-CN" dirty="0" smtClean="0"/>
+              <a:rPr kumimoji="1" lang="zh-CN" altLang="en-US" dirty="0"/>
+              <a:t>将类似上面的通用逻辑放置 </a:t>
+            </a:r>
+            <a:r>
+              <a:rPr kumimoji="1" lang="en-US" altLang="zh-CN" dirty="0" err="1"/>
+              <a:t>BaseComponent</a:t>
+            </a:r>
+            <a:r>
+              <a:rPr kumimoji="1" lang="zh-CN" altLang="en-US" dirty="0"/>
+              <a:t> 之上</a:t>
+            </a:r>
+            <a:endParaRPr kumimoji="1" lang="en-US" altLang="zh-CN" dirty="0"/>
           </a:p>
           <a:p>
             <a:pPr>
@@ -11197,30 +11134,32 @@
             </a:pPr>
             <a:r>
               <a:rPr kumimoji="1" lang="zh-CN" altLang="en-US" dirty="0" smtClean="0"/>
-              <a:t>如何减少以上副作用？</a:t>
+              <a:t>便于维护，子组件只需关心自己的核心业务逻辑</a:t>
             </a:r>
             <a:endParaRPr kumimoji="1" lang="en-US" altLang="zh-CN" dirty="0" smtClean="0"/>
           </a:p>
           <a:p>
-            <a:pPr lvl="1">
+            <a:pPr>
               <a:lnSpc>
                 <a:spcPct val="150000"/>
               </a:lnSpc>
               <a:buFont typeface="Wingdings" charset="2"/>
-              <a:buChar char="l"/>
+              <a:buChar char="Ø"/>
             </a:pPr>
             <a:r>
               <a:rPr kumimoji="1" lang="zh-CN" altLang="en-US" dirty="0" smtClean="0"/>
-              <a:t>生产环境打包时压缩并放置与 </a:t>
-            </a:r>
-            <a:r>
-              <a:rPr kumimoji="1" lang="en-US" altLang="zh-CN" dirty="0" smtClean="0"/>
-              <a:t>Nginx</a:t>
-            </a:r>
-            <a:r>
-              <a:rPr kumimoji="1" lang="zh-CN" altLang="en-US" dirty="0" smtClean="0"/>
-              <a:t> 之上</a:t>
-            </a:r>
+              <a:t>以上为模板模式的最佳实践</a:t>
+            </a:r>
+            <a:endParaRPr kumimoji="1" lang="en-US" altLang="zh-CN" dirty="0" smtClean="0"/>
+          </a:p>
+          <a:p>
+            <a:pPr>
+              <a:lnSpc>
+                <a:spcPct val="150000"/>
+              </a:lnSpc>
+              <a:buFont typeface="Wingdings" charset="2"/>
+              <a:buChar char="Ø"/>
+            </a:pPr>
             <a:endParaRPr kumimoji="1" lang="en-US" altLang="zh-CN" dirty="0"/>
           </a:p>
         </p:txBody>
@@ -11228,7 +11167,7 @@
     </p:spTree>
     <p:extLst>
       <p:ext uri="{BB962C8B-B14F-4D97-AF65-F5344CB8AC3E}">
-        <p14:creationId xmlns:p14="http://schemas.microsoft.com/office/powerpoint/2010/main" val="1533164229"/>
+        <p14:creationId xmlns:p14="http://schemas.microsoft.com/office/powerpoint/2010/main" val="1159960803"/>
       </p:ext>
     </p:extLst>
   </p:cSld>
@@ -11298,7 +11237,7 @@
                 <a:ea typeface="+mj-ea"/>
                 <a:cs typeface="+mj-cs"/>
               </a:rPr>
-              <a:t>Logger</a:t>
+              <a:t>Widget</a:t>
             </a:r>
             <a:endParaRPr kumimoji="1" lang="en-US" altLang="zh-CN" sz="3600" kern="1200" dirty="0">
               <a:solidFill>
@@ -11341,6 +11280,264 @@
               <a:buChar char="Ø"/>
             </a:pPr>
             <a:r>
+              <a:rPr kumimoji="1" lang="zh-CN" altLang="en-US" dirty="0" smtClean="0"/>
+              <a:t>开发可复用的 </a:t>
+            </a:r>
+            <a:r>
+              <a:rPr kumimoji="1" lang="en-US" altLang="zh-CN" dirty="0" smtClean="0"/>
+              <a:t>Widget</a:t>
+            </a:r>
+          </a:p>
+          <a:p>
+            <a:pPr>
+              <a:lnSpc>
+                <a:spcPct val="150000"/>
+              </a:lnSpc>
+              <a:buFont typeface="Wingdings" charset="2"/>
+              <a:buChar char="Ø"/>
+            </a:pPr>
+            <a:r>
+              <a:rPr kumimoji="1" lang="zh-CN" altLang="en-US" dirty="0" smtClean="0"/>
+              <a:t>关注点分离</a:t>
+            </a:r>
+            <a:endParaRPr kumimoji="1" lang="en-US" altLang="zh-CN" dirty="0" smtClean="0"/>
+          </a:p>
+          <a:p>
+            <a:pPr>
+              <a:lnSpc>
+                <a:spcPct val="150000"/>
+              </a:lnSpc>
+              <a:buFont typeface="Wingdings" charset="2"/>
+              <a:buChar char="Ø"/>
+            </a:pPr>
+            <a:r>
+              <a:rPr kumimoji="1" lang="zh-CN" altLang="en-US" dirty="0" smtClean="0"/>
+              <a:t>设计良好的 </a:t>
+            </a:r>
+            <a:r>
+              <a:rPr kumimoji="1" lang="en-US" altLang="zh-CN" dirty="0"/>
+              <a:t>W</a:t>
+            </a:r>
+            <a:r>
+              <a:rPr kumimoji="1" lang="en-US" altLang="zh-CN" dirty="0" smtClean="0"/>
+              <a:t>idget</a:t>
+            </a:r>
+            <a:r>
+              <a:rPr kumimoji="1" lang="zh-CN" altLang="en-US" dirty="0" smtClean="0"/>
+              <a:t> </a:t>
+            </a:r>
+            <a:r>
+              <a:rPr kumimoji="1" lang="en-US" altLang="zh-CN" dirty="0" smtClean="0"/>
+              <a:t>input</a:t>
+            </a:r>
+            <a:r>
+              <a:rPr kumimoji="1" lang="zh-CN" altLang="en-US" dirty="0" smtClean="0"/>
+              <a:t> 模型，避免重复的 </a:t>
+            </a:r>
+            <a:r>
+              <a:rPr kumimoji="1" lang="en-US" altLang="zh-CN" dirty="0" smtClean="0"/>
+              <a:t>Http</a:t>
+            </a:r>
+            <a:r>
+              <a:rPr kumimoji="1" lang="zh-CN" altLang="en-US" dirty="0" smtClean="0"/>
+              <a:t> 调用</a:t>
+            </a:r>
+            <a:endParaRPr kumimoji="1" lang="en-US" altLang="zh-CN" dirty="0" smtClean="0"/>
+          </a:p>
+          <a:p>
+            <a:pPr>
+              <a:lnSpc>
+                <a:spcPct val="150000"/>
+              </a:lnSpc>
+              <a:buFont typeface="Wingdings" charset="2"/>
+              <a:buChar char="Ø"/>
+            </a:pPr>
+            <a:r>
+              <a:rPr kumimoji="1" lang="en-US" altLang="zh-CN" dirty="0" smtClean="0"/>
+              <a:t>Widget</a:t>
+            </a:r>
+            <a:r>
+              <a:rPr kumimoji="1" lang="zh-CN" altLang="en-US" dirty="0" smtClean="0"/>
+              <a:t> 化带来的副作用：</a:t>
+            </a:r>
+            <a:endParaRPr kumimoji="1" lang="en-US" altLang="zh-CN" dirty="0" smtClean="0"/>
+          </a:p>
+          <a:p>
+            <a:pPr lvl="1">
+              <a:lnSpc>
+                <a:spcPct val="150000"/>
+              </a:lnSpc>
+              <a:buFont typeface="Wingdings" charset="2"/>
+              <a:buChar char="l"/>
+            </a:pPr>
+            <a:r>
+              <a:rPr kumimoji="1" lang="zh-CN" altLang="en-US" dirty="0" smtClean="0"/>
+              <a:t>更多的 </a:t>
+            </a:r>
+            <a:r>
+              <a:rPr kumimoji="1" lang="en-US" altLang="zh-CN" dirty="0" smtClean="0"/>
+              <a:t>Http</a:t>
+            </a:r>
+            <a:r>
+              <a:rPr kumimoji="1" lang="zh-CN" altLang="en-US" dirty="0" smtClean="0"/>
+              <a:t> 调用</a:t>
+            </a:r>
+            <a:endParaRPr kumimoji="1" lang="en-US" altLang="zh-CN" dirty="0" smtClean="0"/>
+          </a:p>
+          <a:p>
+            <a:pPr>
+              <a:lnSpc>
+                <a:spcPct val="150000"/>
+              </a:lnSpc>
+              <a:buFont typeface="Wingdings" charset="2"/>
+              <a:buChar char="Ø"/>
+            </a:pPr>
+            <a:r>
+              <a:rPr kumimoji="1" lang="zh-CN" altLang="en-US" dirty="0" smtClean="0"/>
+              <a:t>如何减少以上副作用？</a:t>
+            </a:r>
+            <a:endParaRPr kumimoji="1" lang="en-US" altLang="zh-CN" dirty="0" smtClean="0"/>
+          </a:p>
+          <a:p>
+            <a:pPr lvl="1">
+              <a:lnSpc>
+                <a:spcPct val="150000"/>
+              </a:lnSpc>
+              <a:buFont typeface="Wingdings" charset="2"/>
+              <a:buChar char="l"/>
+            </a:pPr>
+            <a:r>
+              <a:rPr kumimoji="1" lang="zh-CN" altLang="en-US" dirty="0" smtClean="0"/>
+              <a:t>生产环境打包时压缩并放置与 </a:t>
+            </a:r>
+            <a:r>
+              <a:rPr kumimoji="1" lang="en-US" altLang="zh-CN" dirty="0" smtClean="0"/>
+              <a:t>Nginx</a:t>
+            </a:r>
+            <a:r>
+              <a:rPr kumimoji="1" lang="zh-CN" altLang="en-US" dirty="0" smtClean="0"/>
+              <a:t> 之上</a:t>
+            </a:r>
+            <a:endParaRPr kumimoji="1" lang="en-US" altLang="zh-CN" dirty="0"/>
+          </a:p>
+        </p:txBody>
+      </p:sp>
+    </p:spTree>
+    <p:extLst>
+      <p:ext uri="{BB962C8B-B14F-4D97-AF65-F5344CB8AC3E}">
+        <p14:creationId xmlns:p14="http://schemas.microsoft.com/office/powerpoint/2010/main" val="1533164229"/>
+      </p:ext>
+    </p:extLst>
+  </p:cSld>
+  <p:clrMapOvr>
+    <a:masterClrMapping/>
+  </p:clrMapOvr>
+  <p:timing>
+    <p:tnLst>
+      <p:par>
+        <p:cTn id="1" dur="indefinite" restart="never" nodeType="tmRoot"/>
+      </p:par>
+    </p:tnLst>
+  </p:timing>
+</p:sld>
+</file>
+
+<file path=ppt/slides/slide23.xml><?xml version="1.0" encoding="utf-8"?>
+<p:sld xmlns:a="http://schemas.openxmlformats.org/drawingml/2006/main" xmlns:r="http://schemas.openxmlformats.org/officeDocument/2006/relationships" xmlns:p="http://schemas.openxmlformats.org/presentationml/2006/main">
+  <p:cSld>
+    <p:spTree>
+      <p:nvGrpSpPr>
+        <p:cNvPr id="1" name=""/>
+        <p:cNvGrpSpPr/>
+        <p:nvPr/>
+      </p:nvGrpSpPr>
+      <p:grpSpPr>
+        <a:xfrm>
+          <a:off x="0" y="0"/>
+          <a:ext cx="0" cy="0"/>
+          <a:chOff x="0" y="0"/>
+          <a:chExt cx="0" cy="0"/>
+        </a:xfrm>
+      </p:grpSpPr>
+      <p:sp>
+        <p:nvSpPr>
+          <p:cNvPr id="2" name="标题 1"/>
+          <p:cNvSpPr>
+            <a:spLocks noGrp="1"/>
+          </p:cNvSpPr>
+          <p:nvPr>
+            <p:ph type="title"/>
+          </p:nvPr>
+        </p:nvSpPr>
+        <p:spPr>
+          <a:xfrm>
+            <a:off x="677334" y="518160"/>
+            <a:ext cx="8596668" cy="1320800"/>
+          </a:xfrm>
+        </p:spPr>
+        <p:txBody>
+          <a:bodyPr>
+            <a:normAutofit/>
+          </a:bodyPr>
+          <a:lstStyle/>
+          <a:p>
+            <a:pPr lvl="1">
+              <a:lnSpc>
+                <a:spcPct val="150000"/>
+              </a:lnSpc>
+            </a:pPr>
+            <a:r>
+              <a:rPr kumimoji="1" lang="en-US" altLang="zh-CN" sz="3600" kern="1200" dirty="0" smtClean="0">
+                <a:solidFill>
+                  <a:schemeClr val="accent1"/>
+                </a:solidFill>
+                <a:latin typeface="+mj-lt"/>
+                <a:ea typeface="+mj-ea"/>
+                <a:cs typeface="+mj-cs"/>
+              </a:rPr>
+              <a:t>Logger</a:t>
+            </a:r>
+            <a:endParaRPr kumimoji="1" lang="en-US" altLang="zh-CN" sz="3600" kern="1200" dirty="0">
+              <a:solidFill>
+                <a:schemeClr val="accent1"/>
+              </a:solidFill>
+              <a:latin typeface="+mj-lt"/>
+              <a:ea typeface="+mj-ea"/>
+              <a:cs typeface="+mj-cs"/>
+            </a:endParaRPr>
+          </a:p>
+        </p:txBody>
+      </p:sp>
+      <p:sp>
+        <p:nvSpPr>
+          <p:cNvPr id="3" name="内容占位符 2"/>
+          <p:cNvSpPr>
+            <a:spLocks noGrp="1"/>
+          </p:cNvSpPr>
+          <p:nvPr>
+            <p:ph idx="1"/>
+          </p:nvPr>
+        </p:nvSpPr>
+        <p:spPr>
+          <a:xfrm>
+            <a:off x="677334" y="1449389"/>
+            <a:ext cx="8596668" cy="3880773"/>
+          </a:xfrm>
+        </p:spPr>
+        <p:txBody>
+          <a:bodyPr>
+            <a:normAutofit/>
+          </a:bodyPr>
+          <a:lstStyle/>
+          <a:p>
+            <a:pPr>
+              <a:lnSpc>
+                <a:spcPct val="150000"/>
+              </a:lnSpc>
+              <a:buFont typeface="Wingdings" charset="2"/>
+              <a:buChar char="Ø"/>
+            </a:pPr>
+            <a:r>
               <a:rPr kumimoji="1" lang="en-US" altLang="zh-CN" dirty="0" err="1" smtClean="0"/>
               <a:t>console.log</a:t>
             </a:r>
@@ -11354,11 +11551,7 @@
             </a:r>
             <a:r>
               <a:rPr kumimoji="1" lang="zh-CN" altLang="en-US" dirty="0" smtClean="0"/>
-              <a:t> 正式环境中</a:t>
-            </a:r>
-            <a:r>
-              <a:rPr kumimoji="1" lang="zh-CN" altLang="en-US" smtClean="0"/>
-              <a:t>需要尽量少的使用</a:t>
+              <a:t> 正式环境中需要尽量少的使用</a:t>
             </a:r>
             <a:endParaRPr kumimoji="1" lang="en-US" altLang="zh-CN" dirty="0" smtClean="0"/>
           </a:p>
@@ -11546,7 +11739,7 @@
 </p:sld>
 </file>
 
-<file path=ppt/slides/slide23.xml><?xml version="1.0" encoding="utf-8"?>
+<file path=ppt/slides/slide24.xml><?xml version="1.0" encoding="utf-8"?>
 <p:sld xmlns:a="http://schemas.openxmlformats.org/drawingml/2006/main" xmlns:r="http://schemas.openxmlformats.org/officeDocument/2006/relationships" xmlns:p="http://schemas.openxmlformats.org/presentationml/2006/main">
   <p:cSld>
     <p:spTree>
@@ -11908,11 +12101,7 @@
             </a:r>
             <a:r>
               <a:rPr kumimoji="1" lang="zh-CN" altLang="en-US" dirty="0" smtClean="0"/>
-              <a:t> 数据也需要进行</a:t>
-            </a:r>
-            <a:r>
-              <a:rPr kumimoji="1" lang="zh-CN" altLang="en-US" dirty="0" smtClean="0"/>
-              <a:t>压缩</a:t>
+              <a:t> 数据也需要进行压缩</a:t>
             </a:r>
             <a:endParaRPr kumimoji="1" lang="en-US" altLang="zh-CN" dirty="0" smtClean="0"/>
           </a:p>
@@ -12049,11 +12238,7 @@
             </a:pPr>
             <a:r>
               <a:rPr kumimoji="1" lang="zh-CN" altLang="en-US" dirty="0" smtClean="0"/>
-              <a:t>下图</a:t>
-            </a:r>
-            <a:r>
-              <a:rPr kumimoji="1" lang="zh-CN" altLang="en-US" dirty="0" smtClean="0"/>
-              <a:t>为压缩前</a:t>
+              <a:t>下图为压缩前</a:t>
             </a:r>
             <a:r>
               <a:rPr kumimoji="1" lang="en-US" altLang="zh-CN" dirty="0" smtClean="0"/>
@@ -12561,11 +12746,7 @@
             </a:pPr>
             <a:r>
               <a:rPr kumimoji="1" lang="zh-CN" altLang="en-US" dirty="0" smtClean="0"/>
-              <a:t>下图为 </a:t>
-            </a:r>
-            <a:r>
-              <a:rPr kumimoji="1" lang="zh-CN" altLang="en-US" dirty="0" smtClean="0"/>
-              <a:t>压缩后的</a:t>
+              <a:t>下图为 压缩后的</a:t>
             </a:r>
             <a:r>
               <a:rPr kumimoji="1" lang="en-US" altLang="zh-CN" dirty="0" smtClean="0"/>
@@ -12720,11 +12901,7 @@
             </a:pPr>
             <a:r>
               <a:rPr kumimoji="1" lang="en-US" altLang="zh-CN" dirty="0" smtClean="0"/>
-              <a:t>c</a:t>
-            </a:r>
-            <a:r>
-              <a:rPr kumimoji="1" lang="en-US" altLang="zh-CN" dirty="0" smtClean="0"/>
-              <a:t>ompression-</a:t>
+              <a:t>compression-</a:t>
             </a:r>
             <a:r>
               <a:rPr kumimoji="1" lang="en-US" altLang="zh-CN" dirty="0" err="1" smtClean="0"/>
@@ -12744,11 +12921,7 @@
             </a:r>
             <a:r>
               <a:rPr kumimoji="1" lang="zh-CN" altLang="en-US" dirty="0" smtClean="0"/>
-              <a:t> </a:t>
-            </a:r>
-            <a:r>
-              <a:rPr kumimoji="1" lang="zh-CN" altLang="en-US" dirty="0" smtClean="0"/>
-              <a:t>的 </a:t>
+              <a:t> 的 </a:t>
             </a:r>
             <a:r>
               <a:rPr kumimoji="1" lang="en-US" altLang="zh-CN" dirty="0" smtClean="0"/>
@@ -13766,15 +13939,7 @@
             </a:pPr>
             <a:r>
               <a:rPr kumimoji="1" lang="zh-CN" altLang="en-US" dirty="0" smtClean="0"/>
-              <a:t>（</a:t>
-            </a:r>
-            <a:r>
-              <a:rPr kumimoji="1" lang="zh-CN" altLang="en-US" dirty="0" smtClean="0"/>
-              <a:t>建议</a:t>
-            </a:r>
-            <a:r>
-              <a:rPr kumimoji="1" lang="zh-CN" altLang="en-US" dirty="0" smtClean="0"/>
-              <a:t>）采用 </a:t>
+              <a:t>（建议）采用 </a:t>
             </a:r>
             <a:r>
               <a:rPr kumimoji="1" lang="en-US" altLang="zh-CN" dirty="0" smtClean="0"/>

--- a/JAD Optimization.pptx
+++ b/JAD Optimization.pptx
@@ -8439,11 +8439,7 @@
             </a:r>
             <a:r>
               <a:rPr kumimoji="1" lang="zh-CN" altLang="en-US" dirty="0" smtClean="0"/>
-              <a:t> </a:t>
-            </a:r>
-            <a:r>
-              <a:rPr kumimoji="1" lang="zh-CN" altLang="en-US" dirty="0" smtClean="0"/>
-              <a:t>层</a:t>
+              <a:t> 层</a:t>
             </a:r>
             <a:r>
               <a:rPr kumimoji="1" lang="en-US" altLang="zh-CN" dirty="0" smtClean="0"/>
@@ -10679,15 +10675,7 @@
                   <a:schemeClr val="accent5"/>
                 </a:solidFill>
               </a:rPr>
-              <a:t> </a:t>
-            </a:r>
-            <a:r>
-              <a:rPr kumimoji="1" lang="zh-CN" altLang="en-US" sz="2000" dirty="0" smtClean="0">
-                <a:solidFill>
-                  <a:schemeClr val="accent5"/>
-                </a:solidFill>
-              </a:rPr>
-              <a:t>层</a:t>
+              <a:t> 层</a:t>
             </a:r>
             <a:endParaRPr kumimoji="1" lang="en-US" altLang="zh-CN" sz="2000" dirty="0" smtClean="0">
               <a:solidFill>
